--- a/lectures/lecture-14/Lecture-Live A00/Lecture 14 - Lecture.pptx
+++ b/lectures/lecture-14/Lecture-Live A00/Lecture 14 - Lecture.pptx
@@ -146,6 +146,585 @@
     </p:ext>
   </p:extLst>
 </p:presentation>
+</file>
+
+<file path=ppt/ink/ink1.xml><?xml version="1.0" encoding="utf-8"?>
+<inkml:ink xmlns:inkml="http://www.w3.org/2003/InkML">
+  <inkml:definitions>
+    <inkml:context xml:id="ctx0">
+      <inkml:inkSource xml:id="inkSrc0">
+        <inkml:traceFormat>
+          <inkml:channel name="X" type="integer" min="-2.14748E9" max="2.14748E9" units="cm"/>
+          <inkml:channel name="Y" type="integer" min="-2.14748E9" max="2.14748E9" units="cm"/>
+          <inkml:channel name="F" type="integer" max="32767" units="dev"/>
+          <inkml:channel name="OA" type="integer" max="360" units="deg"/>
+          <inkml:channel name="OE" type="integer" max="90" units="deg"/>
+        </inkml:traceFormat>
+        <inkml:channelProperties>
+          <inkml:channelProperty channel="X" name="resolution" value="1000" units="1/cm"/>
+          <inkml:channelProperty channel="Y" name="resolution" value="1000" units="1/cm"/>
+          <inkml:channelProperty channel="F" name="resolution" value="0" units="1/dev"/>
+          <inkml:channelProperty channel="OA" name="resolution" value="1000" units="1/deg"/>
+          <inkml:channelProperty channel="OE" name="resolution" value="1000" units="1/deg"/>
+        </inkml:channelProperties>
+      </inkml:inkSource>
+      <inkml:timestamp xml:id="ts0" timeString="2021-04-28T15:00:46.323"/>
+    </inkml:context>
+    <inkml:brush xml:id="br0">
+      <inkml:brushProperty name="width" value="0.05" units="cm"/>
+      <inkml:brushProperty name="height" value="0.05" units="cm"/>
+      <inkml:brushProperty name="color" value="#E71224"/>
+    </inkml:brush>
+  </inkml:definitions>
+  <inkml:trace contextRef="#ctx0" brushRef="#br0">101 1 4664 0 0,'0'0'209'0'0,"-8"5"38"0"0,4-3-104 0 0,3-1 590 0 0,-31 3 4485 0 0,18-2-1909 0 0,2 6-3148 0 0,9-5 203 0 0,1-2 281 0 0,-16 7 1103 0 0,18-8-1675 0 0,-1 1-1 0 0,1-1 1 0 0,-1 1 0 0 0,1-1 0 0 0,0 1 0 0 0,-1-1-1 0 0,1 1 1 0 0,-1-1 0 0 0,1 1 0 0 0,0-1-1 0 0,-1 1 1 0 0,1-1 0 0 0,0 1 0 0 0,0 0 0 0 0,0-1-1 0 0,-1 1 1 0 0,1-1 0 0 0,0 1 0 0 0,0 0 0 0 0,0-1-1 0 0,0 1 1 0 0,0 0 0 0 0,0-1 0 0 0,0 1 0 0 0,0 0-1 0 0,0-1 1 0 0,0 1 0 0 0,1-1 0 0 0,-1 1-1 0 0,0 0 1 0 0,0-1 0 0 0,0 1 0 0 0,1-1 0 0 0,-1 1-1 0 0,0 0 1 0 0,1-1 0 0 0,-1 1 0 0 0,1-1 0 0 0,-1 1-1 0 0,0-1 1 0 0,1 0 0 0 0,-1 1 0 0 0,1-1 0 0 0,-1 1-1 0 0,1-1 1 0 0,0 0 0 0 0,-1 1 0 0 0,1-1-1 0 0,-1 0 1 0 0,1 0 0 0 0,0 0 0 0 0,0 1 0 0 0,6 1 133 0 0,-1 0 0 0 0,1-1 0 0 0,0 1 1 0 0,7-1-1 0 0,-9 0 26 0 0,6-1-15 0 0,0 0-1 0 0,16-1 1 0 0,3-1 98 0 0,41-1 461 0 0,83-14-1 0 0,13-2 202 0 0,-113 15-727 0 0,-11 0-101 0 0,1 1 0 0 0,68 7-1 0 0,42 12 280 0 0,-32-11 200 0 0,-88-2-338 0 0,0-2 0 0 0,0-1 0 0 0,42-6 0 0 0,-50 4-107 0 0,34 3 0 0 0,17-2 123 0 0,-55 0-305 0 0,-14 1 12 0 0,0 0 0 0 0,0-1 0 0 0,13-2 0 0 0,-11 1 7 0 0,-5 1 4 0 0,0 0 1 0 0,1 0-1 0 0,-1 0 0 0 0,1-1 0 0 0,-1 0 0 0 0,0 0 1 0 0,6-3-1 0 0,-9 4 18 0 0,19-6-759 0 0,-20 7 397 0 0</inkml:trace>
+</inkml:ink>
+</file>
+
+<file path=ppt/ink/ink10.xml><?xml version="1.0" encoding="utf-8"?>
+<inkml:ink xmlns:inkml="http://www.w3.org/2003/InkML">
+  <inkml:definitions>
+    <inkml:context xml:id="ctx0">
+      <inkml:inkSource xml:id="inkSrc0">
+        <inkml:traceFormat>
+          <inkml:channel name="X" type="integer" min="-2.14748E9" max="2.14748E9" units="cm"/>
+          <inkml:channel name="Y" type="integer" min="-2.14748E9" max="2.14748E9" units="cm"/>
+          <inkml:channel name="F" type="integer" max="32767" units="dev"/>
+          <inkml:channel name="OA" type="integer" max="360" units="deg"/>
+          <inkml:channel name="OE" type="integer" max="90" units="deg"/>
+        </inkml:traceFormat>
+        <inkml:channelProperties>
+          <inkml:channelProperty channel="X" name="resolution" value="1000" units="1/cm"/>
+          <inkml:channelProperty channel="Y" name="resolution" value="1000" units="1/cm"/>
+          <inkml:channelProperty channel="F" name="resolution" value="0" units="1/dev"/>
+          <inkml:channelProperty channel="OA" name="resolution" value="1000" units="1/deg"/>
+          <inkml:channelProperty channel="OE" name="resolution" value="1000" units="1/deg"/>
+        </inkml:channelProperties>
+      </inkml:inkSource>
+      <inkml:timestamp xml:id="ts0" timeString="2021-04-28T15:00:58.833"/>
+    </inkml:context>
+    <inkml:brush xml:id="br0">
+      <inkml:brushProperty name="width" value="0.05" units="cm"/>
+      <inkml:brushProperty name="height" value="0.05" units="cm"/>
+      <inkml:brushProperty name="color" value="#E71224"/>
+    </inkml:brush>
+  </inkml:definitions>
+  <inkml:trace contextRef="#ctx0" brushRef="#br0">13 14 4144 0 0,'0'0'84'0'0,"-7"-11"-76"0"0,4 9 488 0 0,2 8 1593 0 0,1 6 4323 0 0,0 6-4071 0 0,-1-4-2079 0 0,1 0 0 0 0,0 0 0 0 0,1 0 0 0 0,0 0 0 0 0,1 0 0 0 0,6 23-1 0 0,-8-36-328 0 0,13 36 217 0 0,-4-23-4598 0 0,-3-7-1146 0 0</inkml:trace>
+</inkml:ink>
+</file>
+
+<file path=ppt/ink/ink11.xml><?xml version="1.0" encoding="utf-8"?>
+<inkml:ink xmlns:inkml="http://www.w3.org/2003/InkML">
+  <inkml:definitions>
+    <inkml:context xml:id="ctx0">
+      <inkml:inkSource xml:id="inkSrc0">
+        <inkml:traceFormat>
+          <inkml:channel name="X" type="integer" min="-2.14748E9" max="2.14748E9" units="cm"/>
+          <inkml:channel name="Y" type="integer" min="-2.14748E9" max="2.14748E9" units="cm"/>
+          <inkml:channel name="F" type="integer" max="32767" units="dev"/>
+          <inkml:channel name="OA" type="integer" max="360" units="deg"/>
+          <inkml:channel name="OE" type="integer" max="90" units="deg"/>
+        </inkml:traceFormat>
+        <inkml:channelProperties>
+          <inkml:channelProperty channel="X" name="resolution" value="1000" units="1/cm"/>
+          <inkml:channelProperty channel="Y" name="resolution" value="1000" units="1/cm"/>
+          <inkml:channelProperty channel="F" name="resolution" value="0" units="1/dev"/>
+          <inkml:channelProperty channel="OA" name="resolution" value="1000" units="1/deg"/>
+          <inkml:channelProperty channel="OE" name="resolution" value="1000" units="1/deg"/>
+        </inkml:channelProperties>
+      </inkml:inkSource>
+      <inkml:timestamp xml:id="ts0" timeString="2021-04-28T15:00:59.204"/>
+    </inkml:context>
+    <inkml:brush xml:id="br0">
+      <inkml:brushProperty name="width" value="0.05" units="cm"/>
+      <inkml:brushProperty name="height" value="0.05" units="cm"/>
+      <inkml:brushProperty name="color" value="#E71224"/>
+    </inkml:brush>
+  </inkml:definitions>
+  <inkml:trace contextRef="#ctx0" brushRef="#br0">12 0 11520 0 0,'-8'13'1224'0'0,"7"-9"-1291"0"0,0 1 1 0 0,0-1 0 0 0,1 1 0 0 0,-1 0 0 0 0,1-1 0 0 0,1 1-1 0 0,-1-1 1 0 0,1 1 0 0 0,-1-1 0 0 0,1 1 0 0 0,1-1-1 0 0,-1 1 1 0 0,0-1 0 0 0,1 0 0 0 0,0 0 0 0 0,0 1-1 0 0,1-1 1 0 0,-1-1 0 0 0,1 1 0 0 0,-1 0 0 0 0,1-1 0 0 0,0 1-1 0 0,1-1 1 0 0,3 3 0 0 0,-4-4-38 0 0,0 0 0 0 0,0-1 1 0 0,0 1-1 0 0,0-1 0 0 0,5 1 0 0 0,-5-1 41 0 0,-1 0 0 0 0,1 0 0 0 0,0 0 0 0 0,0 0 0 0 0,-1 0 0 0 0,5 3 0 0 0,33 23-825 0 0,-39-26 728 0 0,0-1 7 0 0,-1 0 154 0 0,1 0-1 0 0,-1 1 1 0 0,1-1 0 0 0,-1 0-1 0 0,1 0 1 0 0,-1 0-1 0 0,1 1 1 0 0,-1-1 0 0 0,0 0-1 0 0,1 1 1 0 0,-1-1-1 0 0,0 0 1 0 0,1 1-1 0 0,-1-1 1 0 0,0 0 0 0 0,1 1-1 0 0,-1-1 1 0 0,0 1-1 0 0,1-1 1 0 0,-1 1 0 0 0,0-1-1 0 0,0 1 1 0 0,0-1-1 0 0,1 0 1 0 0,-1 1-1 0 0,0-1 1 0 0,0 1 0 0 0,0-1-1 0 0,0 1 1 0 0,0 0-1 0 0,0 0 1 0 0,-1 16 1098 0 0,0-15-795 0 0,0 0 0 0 0,0-1 0 0 0,-1 1 0 0 0,1 0 0 0 0,0-1 0 0 0,-1 1 0 0 0,1-1-1 0 0,-1 1 1 0 0,0-1 0 0 0,1 0 0 0 0,-1 1 0 0 0,0-1 0 0 0,-2 1 0 0 0,-12 9 1731 0 0,7-2-520 0 0,6-6-937 0 0,0 0 1 0 0,-1 1-1 0 0,1-1 1 0 0,0 1-1 0 0,1-1 1 0 0,-4 7-1 0 0,5-10-521 0 0,1 1 0 0 0,0-1 0 0 0,0 1 0 0 0,0 0 0 0 0,0-1 0 0 0,-1 1 0 0 0,1-1 0 0 0,0 1 0 0 0,0 0 0 0 0,0-1 0 0 0,0 1 0 0 0,0-1-1 0 0,0 1 1 0 0,0 0 0 0 0,1-1 0 0 0,-1 1 0 0 0,0-1 0 0 0,0 1 0 0 0,0-1 0 0 0,1 1 0 0 0,-1 0 0 0 0,1 0-40 0 0,0 0-1 0 0,0 0 0 0 0,0 0 1 0 0,0 0-1 0 0,1 0 1 0 0,-1 0-1 0 0,0-1 1 0 0,0 1-1 0 0,0 0 1 0 0,1-1-1 0 0,-1 0 0 0 0,0 1 1 0 0,3 0-1 0 0,5 1 134 0 0,0-1-1 0 0,1 0 0 0 0,10 0 1 0 0,-11-1 18 0 0,0 0 1 0 0,0 1 0 0 0,11 2-1 0 0,-19-2-153 0 0,0-1 0 0 0,1 1-1 0 0,-1-1 1 0 0,0 1 0 0 0,0-1 0 0 0,1 1-1 0 0,-1-1 1 0 0,0 1 0 0 0,0 0-1 0 0,0 0 1 0 0,0 0 0 0 0,0 0 0 0 0,0-1-1 0 0,0 1 1 0 0,0 1 0 0 0,0-1 0 0 0,0 0-1 0 0,-1 0 1 0 0,1 0 0 0 0,0 0-1 0 0,-1 0 1 0 0,1 1 0 0 0,0 0 0 0 0,-1 1 0 0 0,1 0 0 0 0,-1 0 0 0 0,0 0 0 0 0,0 0 0 0 0,0 0 0 0 0,0 0 0 0 0,0 0 0 0 0,-1 0 0 0 0,1-1 0 0 0,-2 5 0 0 0,0 0-12 0 0,-1 0 0 0 0,0 0 0 0 0,0-1 1 0 0,0 1-1 0 0,-1-1 0 0 0,0 0 1 0 0,0 0-1 0 0,-6 7 0 0 0,3-7-667 0 0,-1 1 0 0 0,1-1 0 0 0,-1-1 0 0 0,0 0-1 0 0,0 0 1 0 0,-13 6 0 0 0,1-3-6874 0 0</inkml:trace>
+</inkml:ink>
+</file>
+
+<file path=ppt/ink/ink12.xml><?xml version="1.0" encoding="utf-8"?>
+<inkml:ink xmlns:inkml="http://www.w3.org/2003/InkML">
+  <inkml:definitions>
+    <inkml:context xml:id="ctx0">
+      <inkml:inkSource xml:id="inkSrc0">
+        <inkml:traceFormat>
+          <inkml:channel name="X" type="integer" min="-2.14748E9" max="2.14748E9" units="cm"/>
+          <inkml:channel name="Y" type="integer" min="-2.14748E9" max="2.14748E9" units="cm"/>
+          <inkml:channel name="F" type="integer" max="32767" units="dev"/>
+          <inkml:channel name="OA" type="integer" max="360" units="deg"/>
+          <inkml:channel name="OE" type="integer" max="90" units="deg"/>
+        </inkml:traceFormat>
+        <inkml:channelProperties>
+          <inkml:channelProperty channel="X" name="resolution" value="1000" units="1/cm"/>
+          <inkml:channelProperty channel="Y" name="resolution" value="1000" units="1/cm"/>
+          <inkml:channelProperty channel="F" name="resolution" value="0" units="1/dev"/>
+          <inkml:channelProperty channel="OA" name="resolution" value="1000" units="1/deg"/>
+          <inkml:channelProperty channel="OE" name="resolution" value="1000" units="1/deg"/>
+        </inkml:channelProperties>
+      </inkml:inkSource>
+      <inkml:timestamp xml:id="ts0" timeString="2021-04-28T15:00:59.565"/>
+    </inkml:context>
+    <inkml:brush xml:id="br0">
+      <inkml:brushProperty name="width" value="0.05" units="cm"/>
+      <inkml:brushProperty name="height" value="0.05" units="cm"/>
+      <inkml:brushProperty name="color" value="#E71224"/>
+    </inkml:brush>
+  </inkml:definitions>
+  <inkml:trace contextRef="#ctx0" brushRef="#br0">42 39 3224 0 0,'2'-2'33'0'0,"0"0"-1"0"0,0-1 1 0 0,-1 1 0 0 0,1-1-1 0 0,-1 1 1 0 0,9-19 12527 0 0,-10 20-12417 0 0,0 1 1 0 0,0 0-1 0 0,0 0 1 0 0,-1 0-1 0 0,1-1 1 0 0,0 1 0 0 0,0 0-1 0 0,-1 0 1 0 0,1 0-1 0 0,0 0 1 0 0,0-1-1 0 0,-1 1 1 0 0,1 0 0 0 0,0 0-1 0 0,0 0 1 0 0,-1 0-1 0 0,1 0 1 0 0,0 0 0 0 0,0 0-1 0 0,-1 0 1 0 0,1 0-1 0 0,0 0 1 0 0,-1 0-1 0 0,1 0 1 0 0,0 0 0 0 0,0 0-1 0 0,-1 0 1 0 0,1 0-1 0 0,0 0 1 0 0,0 0-1 0 0,-1 1 1 0 0,-5 5 104 0 0,1 0 0 0 0,0 1 0 0 0,1 0 0 0 0,-1 0 0 0 0,1 0 0 0 0,1 1 0 0 0,-1-1 0 0 0,1 1 0 0 0,1 0 0 0 0,-1 0 0 0 0,-1 9 0 0 0,2-2-219 0 0,0-1 0 0 0,1 0 0 0 0,0 1 0 0 0,1-1-1 0 0,3 24 1 0 0,-2-34-31 0 0,-1 0-1 0 0,1 1 1 0 0,0-1 0 0 0,0-1-1 0 0,1 1 1 0 0,-1 0-1 0 0,1 0 1 0 0,0 0 0 0 0,0-1-1 0 0,0 1 1 0 0,1-1-1 0 0,-1 0 1 0 0,1 1 0 0 0,0-1-1 0 0,0 0 1 0 0,0-1-1 0 0,0 1 1 0 0,0 0 0 0 0,0-1-1 0 0,1 0 1 0 0,-1 0-1 0 0,1 0 1 0 0,0 0-1 0 0,0 0 1 0 0,0-1 0 0 0,-1 0-1 0 0,1 0 1 0 0,1 0-1 0 0,-1 0 1 0 0,7 0 0 0 0,3 0-602 0 0,24-2 1 0 0,-15-1-152 0 0</inkml:trace>
+</inkml:ink>
+</file>
+
+<file path=ppt/ink/ink13.xml><?xml version="1.0" encoding="utf-8"?>
+<inkml:ink xmlns:inkml="http://www.w3.org/2003/InkML">
+  <inkml:definitions>
+    <inkml:context xml:id="ctx0">
+      <inkml:inkSource xml:id="inkSrc0">
+        <inkml:traceFormat>
+          <inkml:channel name="X" type="integer" min="-2.14748E9" max="2.14748E9" units="cm"/>
+          <inkml:channel name="Y" type="integer" min="-2.14748E9" max="2.14748E9" units="cm"/>
+          <inkml:channel name="F" type="integer" max="32767" units="dev"/>
+          <inkml:channel name="OA" type="integer" max="360" units="deg"/>
+          <inkml:channel name="OE" type="integer" max="90" units="deg"/>
+        </inkml:traceFormat>
+        <inkml:channelProperties>
+          <inkml:channelProperty channel="X" name="resolution" value="1000" units="1/cm"/>
+          <inkml:channelProperty channel="Y" name="resolution" value="1000" units="1/cm"/>
+          <inkml:channelProperty channel="F" name="resolution" value="0" units="1/dev"/>
+          <inkml:channelProperty channel="OA" name="resolution" value="1000" units="1/deg"/>
+          <inkml:channelProperty channel="OE" name="resolution" value="1000" units="1/deg"/>
+        </inkml:channelProperties>
+      </inkml:inkSource>
+      <inkml:timestamp xml:id="ts0" timeString="2021-04-28T15:00:59.972"/>
+    </inkml:context>
+    <inkml:brush xml:id="br0">
+      <inkml:brushProperty name="width" value="0.05" units="cm"/>
+      <inkml:brushProperty name="height" value="0.05" units="cm"/>
+      <inkml:brushProperty name="color" value="#E71224"/>
+    </inkml:brush>
+  </inkml:definitions>
+  <inkml:trace contextRef="#ctx0" brushRef="#br0">76 65 6336 0 0,'0'0'570'0'0,"-3"-10"-460"0"0,1 3 1127 0 0,0 1 0 0 0,0-1 0 0 0,0 1-1 0 0,1-1 1 0 0,0 0 0 0 0,0-8 1033 0 0,-7 28-1778 0 0,4-6-453 0 0,0 1 0 0 0,1 0 0 0 0,0-1 0 0 0,0 1 0 0 0,-2 14 0 0 0,1-7-3 0 0,-19 90 41 0 0,21-89 25 0 0,0 1 0 0 0,1-1 0 0 0,1 1 0 0 0,3 24-1 0 0,-3-40-87 0 0,0 0 0 0 0,0 0 0 0 0,0 0-1 0 0,0 0 1 0 0,0 0 0 0 0,1 0-1 0 0,-1 0 1 0 0,0 0 0 0 0,1 0 0 0 0,-1 0-1 0 0,1 0 1 0 0,-1 0 0 0 0,1 0-1 0 0,-1 0 1 0 0,1 0 0 0 0,0-1 0 0 0,-1 1-1 0 0,1 0 1 0 0,0 0 0 0 0,0 0-1 0 0,0-1 1 0 0,-1 1 0 0 0,1-1-1 0 0,0 1 1 0 0,0-1 0 0 0,0 1 0 0 0,0-1-1 0 0,1 1 1 0 0,0-1 13 0 0,0 0-1 0 0,-1 0 1 0 0,1 0 0 0 0,0 0-1 0 0,-1-1 1 0 0,1 1 0 0 0,-1 0-1 0 0,1-1 1 0 0,0 1 0 0 0,-1-1-1 0 0,1 0 1 0 0,-1 0 0 0 0,0 1-1 0 0,1-1 1 0 0,-1 0-1 0 0,0 0 1 0 0,1 0 0 0 0,0-2-1 0 0,3-3 129 0 0,0 1-1 0 0,0-2 0 0 0,0 1 0 0 0,-1-1 0 0 0,0 1 1 0 0,5-14-1 0 0,5-7 166 0 0,34-67 984 0 0,-45 90-1196 0 0,-1 0-1 0 0,1 1 1 0 0,0-1-1 0 0,0 1 1 0 0,0 0-1 0 0,1 0 1 0 0,-1 0-1 0 0,7-4 1 0 0,4-3 239 0 0,-14 9-337 0 0,1 1-1 0 0,-1 0 1 0 0,0-1 0 0 0,1 1 0 0 0,-1 0-1 0 0,0 0 1 0 0,1-1 0 0 0,-1 1-1 0 0,1 0 1 0 0,-1 0 0 0 0,0-1 0 0 0,1 1-1 0 0,-1 0 1 0 0,1 0 0 0 0,-1 0-1 0 0,1 0 1 0 0,-1 0 0 0 0,1 0 0 0 0,-1 0-1 0 0,0 0 1 0 0,1 0 0 0 0,-1 0 0 0 0,1 0-1 0 0,-1 0 1 0 0,1 0 0 0 0,-1 0-1 0 0,1 0 1 0 0,-1 0 0 0 0,1 0 0 0 0,-1 1-1 0 0,0-1 1 0 0,1 0 0 0 0,-1 0-1 0 0,1 1 1 0 0,0 0 4 0 0,0 0 0 0 0,0 1 0 0 0,0-1 0 0 0,-1 0 0 0 0,1 1 0 0 0,0-1 0 0 0,-1 1 0 0 0,1-1 0 0 0,-1 0 0 0 0,0 1 0 0 0,1 1 0 0 0,0 9-2 0 0,0 0 1 0 0,0 13-1 0 0,-1-22-16 0 0,0 16 15 0 0,4 33 0 0 0,-3-47-32 0 0,0 0 1 0 0,0-1-1 0 0,0 1 1 0 0,0 0-1 0 0,1-1 1 0 0,0 1-1 0 0,0-1 1 0 0,0 0-1 0 0,0 0 1 0 0,1 0-1 0 0,0 0 0 0 0,5 6 1 0 0,-2-5-1259 0 0,3-4-453 0 0</inkml:trace>
+</inkml:ink>
+</file>
+
+<file path=ppt/ink/ink14.xml><?xml version="1.0" encoding="utf-8"?>
+<inkml:ink xmlns:inkml="http://www.w3.org/2003/InkML">
+  <inkml:definitions>
+    <inkml:context xml:id="ctx0">
+      <inkml:inkSource xml:id="inkSrc0">
+        <inkml:traceFormat>
+          <inkml:channel name="X" type="integer" min="-2.14748E9" max="2.14748E9" units="cm"/>
+          <inkml:channel name="Y" type="integer" min="-2.14748E9" max="2.14748E9" units="cm"/>
+          <inkml:channel name="F" type="integer" max="32767" units="dev"/>
+          <inkml:channel name="OA" type="integer" max="360" units="deg"/>
+          <inkml:channel name="OE" type="integer" max="90" units="deg"/>
+        </inkml:traceFormat>
+        <inkml:channelProperties>
+          <inkml:channelProperty channel="X" name="resolution" value="1000" units="1/cm"/>
+          <inkml:channelProperty channel="Y" name="resolution" value="1000" units="1/cm"/>
+          <inkml:channelProperty channel="F" name="resolution" value="0" units="1/dev"/>
+          <inkml:channelProperty channel="OA" name="resolution" value="1000" units="1/deg"/>
+          <inkml:channelProperty channel="OE" name="resolution" value="1000" units="1/deg"/>
+        </inkml:channelProperties>
+      </inkml:inkSource>
+      <inkml:timestamp xml:id="ts0" timeString="2021-04-28T15:01:00.317"/>
+    </inkml:context>
+    <inkml:brush xml:id="br0">
+      <inkml:brushProperty name="width" value="0.05" units="cm"/>
+      <inkml:brushProperty name="height" value="0.05" units="cm"/>
+      <inkml:brushProperty name="color" value="#E71224"/>
+    </inkml:brush>
+  </inkml:definitions>
+  <inkml:trace contextRef="#ctx0" brushRef="#br0">104 0 9672 0 0,'-2'1'748'0'0,"-8"6"98"0"0,0 0 1 0 0,0 0 0 0 0,0 1 0 0 0,1 1-1 0 0,1-1 1 0 0,-1 1 0 0 0,1 1 0 0 0,1 0 0 0 0,0 0-1 0 0,-6 11 1 0 0,13-20-811 0 0,-1-1 0 0 0,1 1 1 0 0,0 0-1 0 0,0-1 0 0 0,0 1 0 0 0,0 0 0 0 0,0-1 1 0 0,1 1-1 0 0,-1 0 0 0 0,0-1 0 0 0,0 1 0 0 0,0 0 0 0 0,1-1 1 0 0,-1 1-1 0 0,0-1 0 0 0,0 1 0 0 0,1-1 0 0 0,-1 1 1 0 0,1-1-1 0 0,-1 1 0 0 0,0-1 0 0 0,1 1 0 0 0,-1-1 0 0 0,1 1 1 0 0,-1-1-1 0 0,1 1 0 0 0,-1-1 0 0 0,1 0 0 0 0,0 1 1 0 0,-1-1-1 0 0,1 0 0 0 0,-1 0 0 0 0,2 1 0 0 0,25 10 208 0 0,-23-10-150 0 0,0 0-67 0 0,1 1-1 0 0,-1-2 1 0 0,1 1 0 0 0,-1 0 0 0 0,6-1-1 0 0,-5 0 7 0 0,0 0 0 0 0,-1 1-1 0 0,1-1 1 0 0,0 1 0 0 0,-1 0 0 0 0,6 2-1 0 0,-9-2 20 0 0,0-1-1 0 0,0 1 0 0 0,0-1 1 0 0,1 1-1 0 0,-1 0 0 0 0,0-1 1 0 0,0 1-1 0 0,0 0 1 0 0,0 0-1 0 0,0 0 0 0 0,-1-1 1 0 0,1 1-1 0 0,0 0 0 0 0,0 0 1 0 0,-1 1-1 0 0,1-1 0 0 0,0 0 1 0 0,-1 0-1 0 0,1 0 0 0 0,-1 0 1 0 0,1 2-1 0 0,-1-1-2 0 0,0 1 1 0 0,1-1-1 0 0,-1 0 0 0 0,-1 1 0 0 0,1-1 0 0 0,0 0 1 0 0,-1 0-1 0 0,1 1 0 0 0,-1-1 0 0 0,1 0 0 0 0,-2 2 0 0 0,-2 5-22 0 0,0-1-1 0 0,-1 0 1 0 0,0-1-1 0 0,-9 13 0 0 0,14-20-42 0 0,-21 23 127 0 0,20-22-406 0 0,0 0 0 0 0,0 0-1 0 0,-1 0 1 0 0,1 0 0 0 0,0 0 0 0 0,-1 0 0 0 0,1 0 0 0 0,-1 0 0 0 0,0 0 0 0 0,1-1-1 0 0,-1 1 1 0 0,0-1 0 0 0,-3 1 0 0 0</inkml:trace>
+</inkml:ink>
+</file>
+
+<file path=ppt/ink/ink15.xml><?xml version="1.0" encoding="utf-8"?>
+<inkml:ink xmlns:inkml="http://www.w3.org/2003/InkML">
+  <inkml:definitions>
+    <inkml:context xml:id="ctx0">
+      <inkml:inkSource xml:id="inkSrc0">
+        <inkml:traceFormat>
+          <inkml:channel name="X" type="integer" min="-2.14748E9" max="2.14748E9" units="cm"/>
+          <inkml:channel name="Y" type="integer" min="-2.14748E9" max="2.14748E9" units="cm"/>
+          <inkml:channel name="F" type="integer" max="32767" units="dev"/>
+          <inkml:channel name="OA" type="integer" max="360" units="deg"/>
+          <inkml:channel name="OE" type="integer" max="90" units="deg"/>
+        </inkml:traceFormat>
+        <inkml:channelProperties>
+          <inkml:channelProperty channel="X" name="resolution" value="1000" units="1/cm"/>
+          <inkml:channelProperty channel="Y" name="resolution" value="1000" units="1/cm"/>
+          <inkml:channelProperty channel="F" name="resolution" value="0" units="1/dev"/>
+          <inkml:channelProperty channel="OA" name="resolution" value="1000" units="1/deg"/>
+          <inkml:channelProperty channel="OE" name="resolution" value="1000" units="1/deg"/>
+        </inkml:channelProperties>
+      </inkml:inkSource>
+      <inkml:timestamp xml:id="ts0" timeString="2021-04-28T15:01:00.691"/>
+    </inkml:context>
+    <inkml:brush xml:id="br0">
+      <inkml:brushProperty name="width" value="0.05" units="cm"/>
+      <inkml:brushProperty name="height" value="0.05" units="cm"/>
+      <inkml:brushProperty name="color" value="#E71224"/>
+    </inkml:brush>
+  </inkml:definitions>
+  <inkml:trace contextRef="#ctx0" brushRef="#br0">90 1 13536 0 0,'0'0'1224'0'0,"-17"5"1930"0"0,14-5-3019 0 0,0 1 1 0 0,0-1-1 0 0,0 1 0 0 0,0 0 1 0 0,0 0-1 0 0,0 0 0 0 0,0 0 0 0 0,0 1 1 0 0,0-1-1 0 0,0 1 0 0 0,1 0 1 0 0,-1 0-1 0 0,1 0 0 0 0,0 0 0 0 0,-1 0 1 0 0,-3 5-1 0 0,4-4-10 0 0,0-1 1 0 0,-1 1-1 0 0,1 0 1 0 0,0 0-1 0 0,1 1 0 0 0,-1-1 1 0 0,0 0-1 0 0,1 1 1 0 0,-2 6-1 0 0,3-9-105 0 0,-1 1 0 0 0,1 0 0 0 0,0 0 0 0 0,0 0 0 0 0,0 0 1 0 0,0-1-1 0 0,0 1 0 0 0,0 0 0 0 0,0 0 0 0 0,1 0 0 0 0,-1 0 0 0 0,1-1 0 0 0,-1 1 0 0 0,1 0 0 0 0,0 0 1 0 0,0-1-1 0 0,0 1 0 0 0,0-1 0 0 0,0 1 0 0 0,2 2 0 0 0,4 3 1 0 0,1 0-1 0 0,1 0 1 0 0,11 7-1 0 0,14 11 957 0 0,-27-19-811 0 0,-2-1 6 0 0,0-1 0 0 0,0 1-1 0 0,-1 0 1 0 0,1 0 0 0 0,5 8 0 0 0,-9-11-131 0 0,-1 0-1 0 0,1-1 0 0 0,0 1 1 0 0,-1 0-1 0 0,1 0 0 0 0,-1-1 1 0 0,1 1-1 0 0,-1 0 0 0 0,0 0 1 0 0,0 0-1 0 0,1 0 0 0 0,-1-1 1 0 0,-1 1-1 0 0,1 0 0 0 0,0 0 1 0 0,0 0-1 0 0,-1-1 0 0 0,1 1 1 0 0,-1 0-1 0 0,0 0 1 0 0,1-1-1 0 0,-1 1 0 0 0,0 0 1 0 0,0-1-1 0 0,-1 3 0 0 0,0-2-203 0 0,0 1 0 0 0,0-1 0 0 0,0 1 0 0 0,0-1 0 0 0,0 0 0 0 0,-1 0 0 0 0,1 0 0 0 0,-1 0 0 0 0,0 0 0 0 0,1-1 0 0 0,-1 1 0 0 0,0-1 0 0 0,-3 2 0 0 0</inkml:trace>
+  <inkml:trace contextRef="#ctx0" brushRef="#br0" timeOffset="1">288 8 5528 0 0,'-15'5'488'0'0,"10"1"-392"0"0,-1-1-96 0 0,-3 2 0 0 0,1 6 2312 0 0,0-1 440 0 0,-1 6 96 0 0,1 1 7 0 0,0-1-2055 0 0,1 5-408 0 0,-1-1-80 0 0,3-1-24 0 0,-1-1-208 0 0,4-1-80 0 0,-5-4 0 0 0,7 0-4959 0 0,0-2-1057 0 0</inkml:trace>
+</inkml:ink>
+</file>
+
+<file path=ppt/ink/ink16.xml><?xml version="1.0" encoding="utf-8"?>
+<inkml:ink xmlns:inkml="http://www.w3.org/2003/InkML">
+  <inkml:definitions>
+    <inkml:context xml:id="ctx0">
+      <inkml:inkSource xml:id="inkSrc0">
+        <inkml:traceFormat>
+          <inkml:channel name="X" type="integer" min="-2.14748E9" max="2.14748E9" units="cm"/>
+          <inkml:channel name="Y" type="integer" min="-2.14748E9" max="2.14748E9" units="cm"/>
+          <inkml:channel name="F" type="integer" max="32767" units="dev"/>
+          <inkml:channel name="OA" type="integer" max="360" units="deg"/>
+          <inkml:channel name="OE" type="integer" max="90" units="deg"/>
+        </inkml:traceFormat>
+        <inkml:channelProperties>
+          <inkml:channelProperty channel="X" name="resolution" value="1000" units="1/cm"/>
+          <inkml:channelProperty channel="Y" name="resolution" value="1000" units="1/cm"/>
+          <inkml:channelProperty channel="F" name="resolution" value="0" units="1/dev"/>
+          <inkml:channelProperty channel="OA" name="resolution" value="1000" units="1/deg"/>
+          <inkml:channelProperty channel="OE" name="resolution" value="1000" units="1/deg"/>
+        </inkml:channelProperties>
+      </inkml:inkSource>
+      <inkml:timestamp xml:id="ts0" timeString="2021-04-28T15:01:01.069"/>
+    </inkml:context>
+    <inkml:brush xml:id="br0">
+      <inkml:brushProperty name="width" value="0.05" units="cm"/>
+      <inkml:brushProperty name="height" value="0.05" units="cm"/>
+      <inkml:brushProperty name="color" value="#E71224"/>
+    </inkml:brush>
+  </inkml:definitions>
+  <inkml:trace contextRef="#ctx0" brushRef="#br0">23 24 16783 0 0,'-11'-15'368'0'0,"7"10"80"0"0,-1 2 584 0 0,2 8-1256 0 0,3 2 96 0 0,3 4-8 0 0,0 1-1016 0 0,3 1-207 0 0,-1-1-41 0 0,4 4-4432 0 0</inkml:trace>
+  <inkml:trace contextRef="#ctx0" brushRef="#br0" timeOffset="1">220 316 3680 0 0,'-1'5'298'0'0,"-1"0"0"0"0,1 0 0 0 0,-1 0 0 0 0,0 0 0 0 0,0 0 0 0 0,0-1 0 0 0,-1 1 0 0 0,1-1 0 0 0,-1 0 0 0 0,0 1 0 0 0,-5 3 0 0 0,-13 17 2852 0 0,10-13-1194 0 0,-14 22 0 0 0,10-13-43 0 0,10-15-990 0 0,1 0 0 0 0,0 0-1 0 0,-6 12 3366 0 0,14-18-4160 0 0,-1 0 1 0 0,1-1-1 0 0,0 1 0 0 0,0-1 0 0 0,-1 0 0 0 0,1 0 0 0 0,-1-1 0 0 0,1 1 1 0 0,-1-1-1 0 0,1 0 0 0 0,-1 0 0 0 0,5-3 0 0 0,3-4-179 0 0,21-22 0 0 0,2-1-2401 0 0,-26 26 1079 0 0,-4 3-46 0 0</inkml:trace>
+</inkml:ink>
+</file>
+
+<file path=ppt/ink/ink17.xml><?xml version="1.0" encoding="utf-8"?>
+<inkml:ink xmlns:inkml="http://www.w3.org/2003/InkML">
+  <inkml:definitions>
+    <inkml:context xml:id="ctx0">
+      <inkml:inkSource xml:id="inkSrc0">
+        <inkml:traceFormat>
+          <inkml:channel name="X" type="integer" min="-2.14748E9" max="2.14748E9" units="cm"/>
+          <inkml:channel name="Y" type="integer" min="-2.14748E9" max="2.14748E9" units="cm"/>
+          <inkml:channel name="F" type="integer" max="32767" units="dev"/>
+          <inkml:channel name="OA" type="integer" max="360" units="deg"/>
+          <inkml:channel name="OE" type="integer" max="90" units="deg"/>
+        </inkml:traceFormat>
+        <inkml:channelProperties>
+          <inkml:channelProperty channel="X" name="resolution" value="1000" units="1/cm"/>
+          <inkml:channelProperty channel="Y" name="resolution" value="1000" units="1/cm"/>
+          <inkml:channelProperty channel="F" name="resolution" value="0" units="1/dev"/>
+          <inkml:channelProperty channel="OA" name="resolution" value="1000" units="1/deg"/>
+          <inkml:channelProperty channel="OE" name="resolution" value="1000" units="1/deg"/>
+        </inkml:channelProperties>
+      </inkml:inkSource>
+      <inkml:timestamp xml:id="ts0" timeString="2021-04-28T15:01:01.422"/>
+    </inkml:context>
+    <inkml:brush xml:id="br0">
+      <inkml:brushProperty name="width" value="0.05" units="cm"/>
+      <inkml:brushProperty name="height" value="0.05" units="cm"/>
+      <inkml:brushProperty name="color" value="#E71224"/>
+    </inkml:brush>
+  </inkml:definitions>
+  <inkml:trace contextRef="#ctx0" brushRef="#br0">15 296 17503 0 0,'-1'0'60'0'0,"1"0"-1"0"0,-1 0 0 0 0,1 0 0 0 0,-1 0 0 0 0,1 0 0 0 0,-1 0 0 0 0,0 0 0 0 0,1 0 0 0 0,-1 0 1 0 0,1-1-1 0 0,-1 1 0 0 0,1 0 0 0 0,0 0 0 0 0,-1-1 0 0 0,1 1 0 0 0,-1 0 0 0 0,1-1 0 0 0,-1 1 0 0 0,1 0 1 0 0,0-1-1 0 0,-1 1 0 0 0,1-1 0 0 0,0 1 0 0 0,-1 0 0 0 0,1-2 0 0 0,-1 1-23 0 0,1 0 0 0 0,-1-1 0 0 0,1 1 0 0 0,0-1-1 0 0,-1 1 1 0 0,1-1 0 0 0,0 1 0 0 0,0-1 0 0 0,0-1 0 0 0,1-5 191 0 0,0 1 1 0 0,5-14-1 0 0,-6 19-19 0 0,6-20 1134 0 0,3-9 149 0 0,0 0 1 0 0,2 0 0 0 0,20-38 0 0 0,-28 65-1475 0 0,4 2-17 0 0,-5 4 0 0 0,0 0 0 0 0,0 0 0 0 0,0 0 0 0 0,0 0 0 0 0,0 0 0 0 0,0 0 0 0 0,-1 0 0 0 0,1 1 0 0 0,-1-1 0 0 0,0 1 0 0 0,0-1 0 0 0,0 1 0 0 0,2 4 0 0 0,30 78 0 0 0,-32-83-10 0 0,0 1-1 0 0,0-1 1 0 0,0 0-1 0 0,0 0 1 0 0,0 0 0 0 0,0 0-1 0 0,1 0 1 0 0,-1 0-1 0 0,3 2 1 0 0,-3-3 9 0 0,-1-1 0 0 0,1 1 0 0 0,-1-1 0 0 0,1 0 0 0 0,0 0 0 0 0,-1 1 0 0 0,1-1 0 0 0,0 0 0 0 0,-1 0 0 0 0,1 0 0 0 0,0 0 0 0 0,-1 0 0 0 0,1 1 0 0 0,0-1 0 0 0,-1 0 0 0 0,1-1 1 0 0,0 1-1 0 0,-1 0 0 0 0,1 0 0 0 0,0 0 0 0 0,-1 0 0 0 0,1 0 0 0 0,-1-1 0 0 0,1 1 0 0 0,0 0 0 0 0,-1-1 0 0 0,1 1 0 0 0,-1 0 0 0 0,1-1 0 0 0,-1 1 0 0 0,1-1 0 0 0,-1 1 0 0 0,1 0 0 0 0,-1-1 0 0 0,1 1 0 0 0,-1-1 0 0 0,0 0 0 0 0,1 1 0 0 0,-1-2 0 0 0,10-11 84 0 0,-2 0 0 0 0,0-1-1 0 0,0-1 1 0 0,-1 1-1 0 0,5-20 1 0 0,16-30-5969 0 0,-21 49-2300 0 0</inkml:trace>
+</inkml:ink>
+</file>
+
+<file path=ppt/ink/ink18.xml><?xml version="1.0" encoding="utf-8"?>
+<inkml:ink xmlns:inkml="http://www.w3.org/2003/InkML">
+  <inkml:definitions>
+    <inkml:context xml:id="ctx0">
+      <inkml:inkSource xml:id="inkSrc0">
+        <inkml:traceFormat>
+          <inkml:channel name="X" type="integer" min="-2.14748E9" max="2.14748E9" units="cm"/>
+          <inkml:channel name="Y" type="integer" min="-2.14748E9" max="2.14748E9" units="cm"/>
+          <inkml:channel name="F" type="integer" max="32767" units="dev"/>
+          <inkml:channel name="OA" type="integer" max="360" units="deg"/>
+          <inkml:channel name="OE" type="integer" max="90" units="deg"/>
+        </inkml:traceFormat>
+        <inkml:channelProperties>
+          <inkml:channelProperty channel="X" name="resolution" value="1000" units="1/cm"/>
+          <inkml:channelProperty channel="Y" name="resolution" value="1000" units="1/cm"/>
+          <inkml:channelProperty channel="F" name="resolution" value="0" units="1/dev"/>
+          <inkml:channelProperty channel="OA" name="resolution" value="1000" units="1/deg"/>
+          <inkml:channelProperty channel="OE" name="resolution" value="1000" units="1/deg"/>
+        </inkml:channelProperties>
+      </inkml:inkSource>
+      <inkml:timestamp xml:id="ts0" timeString="2021-04-28T15:45:05.146"/>
+    </inkml:context>
+    <inkml:brush xml:id="br0">
+      <inkml:brushProperty name="width" value="0.05" units="cm"/>
+      <inkml:brushProperty name="height" value="0.05" units="cm"/>
+      <inkml:brushProperty name="color" value="#E71224"/>
+    </inkml:brush>
+  </inkml:definitions>
+  <inkml:trace contextRef="#ctx0" brushRef="#br0">40 82 2304 0 0,'0'0'3784'0'0,"-4"-2"-2131"0"0,-5-4 1235 0 0,-1 3-982 0 0,9 3-1710 0 0,0 0 1 0 0,0 0-1 0 0,0 0 1 0 0,0 0-1 0 0,0-1 0 0 0,0 1 1 0 0,0 0-1 0 0,1-1 1 0 0,-1 1-1 0 0,0-1 0 0 0,0 1 1 0 0,0-1-1 0 0,1 1 1 0 0,-1-1-1 0 0,0 1 0 0 0,0-1 1 0 0,-1-1 1159 0 0,10-7-694 0 0,-7 8-610 0 0,-1 0 0 0 0,1 0 1 0 0,0 0-1 0 0,-1 0 0 0 0,1 0 0 0 0,0 0 1 0 0,-1 1-1 0 0,1-1 0 0 0,0 0 0 0 0,0 1 1 0 0,0-1-1 0 0,0 0 0 0 0,1 0 0 0 0,12-3 118 0 0,0 1 0 0 0,0 0-1 0 0,0 1 1 0 0,0 1-1 0 0,14 0 1 0 0,9-2 31 0 0,55 1 344 0 0,-74 2-413 0 0,30 2 43 0 0,-27 0-22 0 0,29-2-1 0 0,64-5 192 0 0,175 15 0 0 0,-257-7-340 0 0,76 4 59 0 0,-18-4-50 0 0,0-4 196 0 0,20-1-98 0 0,79-10-199 0 0,-45 7 336 0 0,-25 7-215 0 0,-32 0-66 0 0,-14-2 27 0 0,155 3 194 0 0,-101-3-238 0 0,21 2 37 0 0,16 1 14 0 0,-30-5 265 0 0,-45-1 86 0 0,-20 3 134 0 0,1-3 0 0 0,97-16 0 0 0,-156 17-356 0 0,0 0-1 0 0,18 0 0 0 0,-29 2-69 0 0,0-3-180 0 0</inkml:trace>
+</inkml:ink>
+</file>
+
+<file path=ppt/ink/ink2.xml><?xml version="1.0" encoding="utf-8"?>
+<inkml:ink xmlns:inkml="http://www.w3.org/2003/InkML">
+  <inkml:definitions>
+    <inkml:context xml:id="ctx0">
+      <inkml:inkSource xml:id="inkSrc0">
+        <inkml:traceFormat>
+          <inkml:channel name="X" type="integer" min="-2.14748E9" max="2.14748E9" units="cm"/>
+          <inkml:channel name="Y" type="integer" min="-2.14748E9" max="2.14748E9" units="cm"/>
+          <inkml:channel name="F" type="integer" max="32767" units="dev"/>
+          <inkml:channel name="OA" type="integer" max="360" units="deg"/>
+          <inkml:channel name="OE" type="integer" max="90" units="deg"/>
+        </inkml:traceFormat>
+        <inkml:channelProperties>
+          <inkml:channelProperty channel="X" name="resolution" value="1000" units="1/cm"/>
+          <inkml:channelProperty channel="Y" name="resolution" value="1000" units="1/cm"/>
+          <inkml:channelProperty channel="F" name="resolution" value="0" units="1/dev"/>
+          <inkml:channelProperty channel="OA" name="resolution" value="1000" units="1/deg"/>
+          <inkml:channelProperty channel="OE" name="resolution" value="1000" units="1/deg"/>
+        </inkml:channelProperties>
+      </inkml:inkSource>
+      <inkml:timestamp xml:id="ts0" timeString="2021-04-28T15:00:49.380"/>
+    </inkml:context>
+    <inkml:brush xml:id="br0">
+      <inkml:brushProperty name="width" value="0.05" units="cm"/>
+      <inkml:brushProperty name="height" value="0.05" units="cm"/>
+      <inkml:brushProperty name="color" value="#E71224"/>
+    </inkml:brush>
+  </inkml:definitions>
+  <inkml:trace contextRef="#ctx0" brushRef="#br0">132 40 4608 0 0,'0'0'224'0'0,"-17"-3"32"0"0,4-2 508 0 0,11 4-444 0 0,-1 0 1 0 0,0 0-1 0 0,1-1 1 0 0,-1 1-1 0 0,1 0 1 0 0,0-1-1 0 0,-3-2 1 0 0,3 3-73 0 0,1-1 1 0 0,-1 1 0 0 0,0 0 0 0 0,0-1 0 0 0,1 1-1 0 0,-1 0 1 0 0,0 0 0 0 0,0 0 0 0 0,0 0-1 0 0,0 1 1 0 0,0-1 0 0 0,0 0 0 0 0,-3 0-1 0 0,-6-1 915 0 0,10 2-1105 0 0,0 0 0 0 0,0-1 1 0 0,0 1-1 0 0,0 0 0 0 0,0 0 1 0 0,1 0-1 0 0,-1 0 0 0 0,0 0 1 0 0,0 0-1 0 0,0 0 0 0 0,0 0 1 0 0,0 0-1 0 0,0 0 0 0 0,0 1 1 0 0,0-1 328 0 0,0 0 0 0 0,0 0 0 0 0,0 0 0 0 0,0 1 0 0 0,0-1 0 0 0,0 0 0 0 0,0 0 0 0 0,0-1 0 0 0,0 1 0 0 0,0 0 0 0 0,0 0 0 0 0,-1-1 0 0 0,2 1-271 0 0,-1 0 0 0 0,1 0-1 0 0,-1 0 1 0 0,0 0-1 0 0,1-1 1 0 0,-1 1-1 0 0,1 0 1 0 0,-1 0-1 0 0,0 0 1 0 0,1 0 0 0 0,-1 0-1 0 0,1 0 1 0 0,-1 1-1 0 0,1-1 1 0 0,-1 0-1 0 0,-2 1 2254 0 0,8-1-2003 0 0,-3-1-356 0 0,0 1-1 0 0,0 0 1 0 0,0 0-1 0 0,-1 0 1 0 0,1 0 0 0 0,0 0-1 0 0,0 0 1 0 0,0 0-1 0 0,0 1 1 0 0,0-1-1 0 0,0 1 1 0 0,0 0-1 0 0,-1-1 1 0 0,1 1 0 0 0,2 1-1 0 0,7 3 401 0 0,6-1-47 0 0,-1 0 1 0 0,0-1-1 0 0,33 1 0 0 0,-38-3-230 0 0,0 0 1 0 0,15 4-1 0 0,-16-3-5 0 0,-1-1-1 0 0,1 1 1 0 0,18-1 0 0 0,-1-3 70 0 0,177-2 771 0 0,-166 4-777 0 0,48-5 0 0 0,-13 0 71 0 0,53-3 16 0 0,54-2-22 0 0,43 19 58 0 0,-72 4 136 0 0,-86-4-441 0 0,7 1 46 0 0,-36-5 4 0 0,12-1 35 0 0,-26-3 38 0 0,28 5 0 0 0,-33-3-107 0 0,0-1 0 0 0,0-1 1 0 0,23-1-1 0 0,-26 0 36 0 0,0 0 1 0 0,22 4 0 0 0,-27-2-41 0 0,102 4 581 0 0,-30-6-27 0 0,-79 0-559 0 0,0 0 1 0 0,1-1-1 0 0,-1 1 1 0 0,0-1-1 0 0,0 1 0 0 0,0-1 1 0 0,0 0-1 0 0,0 0 1 0 0,0 0-1 0 0,0 0 0 0 0,0 0 1 0 0,0-1-1 0 0,-1 1 1 0 0,1 0-1 0 0,0-1 0 0 0,-1 0 1 0 0,1 1-1 0 0,-1-1 0 0 0,0 0 1 0 0,1 1-1 0 0,-1-1 1 0 0,1-3-1 0 0,0 1-6 0 0,-2 2 45 0 0,3-4-87 0 0,-2 6-109 0 0</inkml:trace>
+</inkml:ink>
+</file>
+
+<file path=ppt/ink/ink3.xml><?xml version="1.0" encoding="utf-8"?>
+<inkml:ink xmlns:inkml="http://www.w3.org/2003/InkML">
+  <inkml:definitions>
+    <inkml:context xml:id="ctx0">
+      <inkml:inkSource xml:id="inkSrc0">
+        <inkml:traceFormat>
+          <inkml:channel name="X" type="integer" min="-2.14748E9" max="2.14748E9" units="cm"/>
+          <inkml:channel name="Y" type="integer" min="-2.14748E9" max="2.14748E9" units="cm"/>
+          <inkml:channel name="F" type="integer" max="32767" units="dev"/>
+          <inkml:channel name="OA" type="integer" max="360" units="deg"/>
+          <inkml:channel name="OE" type="integer" max="90" units="deg"/>
+        </inkml:traceFormat>
+        <inkml:channelProperties>
+          <inkml:channelProperty channel="X" name="resolution" value="1000" units="1/cm"/>
+          <inkml:channelProperty channel="Y" name="resolution" value="1000" units="1/cm"/>
+          <inkml:channelProperty channel="F" name="resolution" value="0" units="1/dev"/>
+          <inkml:channelProperty channel="OA" name="resolution" value="1000" units="1/deg"/>
+          <inkml:channelProperty channel="OE" name="resolution" value="1000" units="1/deg"/>
+        </inkml:channelProperties>
+      </inkml:inkSource>
+      <inkml:timestamp xml:id="ts0" timeString="2021-04-28T15:00:53.362"/>
+    </inkml:context>
+    <inkml:brush xml:id="br0">
+      <inkml:brushProperty name="width" value="0.05" units="cm"/>
+      <inkml:brushProperty name="height" value="0.05" units="cm"/>
+      <inkml:brushProperty name="color" value="#E71224"/>
+    </inkml:brush>
+  </inkml:definitions>
+  <inkml:trace contextRef="#ctx0" brushRef="#br0">56 27 3600 0 0,'0'0'165'0'0,"0"0"-10"0"0,0-2 498 0 0,-8-15 8495 0 0,8 17-9059 0 0,0-1 1 0 0,0 1-1 0 0,-1 0 0 0 0,1 0 1 0 0,0 0-1 0 0,-1-1 0 0 0,1 1 1 0 0,0 0-1 0 0,-1 0 0 0 0,1 0 1 0 0,0 0-1 0 0,-1 0 0 0 0,1 0 1 0 0,0 0-1 0 0,-1 0 0 0 0,1 0 0 0 0,0 0 1 0 0,-1 0-1 0 0,1 0 0 0 0,0 0 1 0 0,-1 0-1 0 0,1 0 0 0 0,-1 0 1 0 0,-11 1 2596 0 0,12-1-2625 0 0,-1 0-1 0 0,1-1 0 0 0,-1 1 1 0 0,1 0-1 0 0,0-1 0 0 0,-1 1 1 0 0,1 0-1 0 0,-1-1 0 0 0,1 1 1 0 0,-1 0-1 0 0,1 0 0 0 0,-1 0 0 0 0,1-1 1 0 0,-1 1-1 0 0,0 0 0 0 0,1 0 1 0 0,-1 0-1 0 0,1 0 0 0 0,-1 0 1 0 0,1 0-1 0 0,-1 0 0 0 0,1 0 1 0 0,-1 0-1 0 0,0 0 0 0 0,0 1 0 0 0,-6-2 660 0 0,1-1-352 0 0,5 2 189 0 0,7 1 1878 0 0,7 2-2230 0 0,-1-1-1 0 0,1 0 1 0 0,0-1-1 0 0,21-1 1 0 0,-20 0-29 0 0,25 2 306 0 0,59 10 1 0 0,-46-4-191 0 0,187 13 420 0 0,-84-18-360 0 0,-53-4-88 0 0,75-4 232 0 0,72-5 118 0 0,-73 5-180 0 0,33 2 145 0 0,-153 3-422 0 0,-17 1 46 0 0,1 1-1 0 0,-1 2 1 0 0,65 14 0 0 0,-93-16-133 0 0,1-1 0 0 0,-1 0 0 0 0,1-1 0 0 0,-1 0 0 0 0,1-1 0 0 0,12-2 0 0 0,-22 3-42 0 0,0-1 0 0 0,0 0-1 0 0,0 0 1 0 0,0 1 0 0 0,0-1-1 0 0,0 0 1 0 0,3-3 0 0 0,-4 3-13 0 0,1 0 0 0 0,-1 0 1 0 0,1 0-1 0 0,-1 0 0 0 0,0 1 0 0 0,1-1 1 0 0,-1 1-1 0 0,1-1 0 0 0,0 1 0 0 0,2-1 1 0 0,-2 0-9 0 0,0 1 0 0 0,0-1 0 0 0,-1 1 1 0 0,1-1-1 0 0,0 0 0 0 0,-1 0 0 0 0,1 0 1 0 0,0 0-1 0 0,-1 0 0 0 0,0 0 0 0 0,1 0 1 0 0,-1-1-1 0 0,1 1 0 0 0,-1 0 0 0 0,1-2 1 0 0,-1 2-343 0 0</inkml:trace>
+</inkml:ink>
+</file>
+
+<file path=ppt/ink/ink4.xml><?xml version="1.0" encoding="utf-8"?>
+<inkml:ink xmlns:inkml="http://www.w3.org/2003/InkML">
+  <inkml:definitions>
+    <inkml:context xml:id="ctx0">
+      <inkml:inkSource xml:id="inkSrc0">
+        <inkml:traceFormat>
+          <inkml:channel name="X" type="integer" min="-2.14748E9" max="2.14748E9" units="cm"/>
+          <inkml:channel name="Y" type="integer" min="-2.14748E9" max="2.14748E9" units="cm"/>
+          <inkml:channel name="F" type="integer" max="32767" units="dev"/>
+          <inkml:channel name="OA" type="integer" max="360" units="deg"/>
+          <inkml:channel name="OE" type="integer" max="90" units="deg"/>
+        </inkml:traceFormat>
+        <inkml:channelProperties>
+          <inkml:channelProperty channel="X" name="resolution" value="1000" units="1/cm"/>
+          <inkml:channelProperty channel="Y" name="resolution" value="1000" units="1/cm"/>
+          <inkml:channelProperty channel="F" name="resolution" value="0" units="1/dev"/>
+          <inkml:channelProperty channel="OA" name="resolution" value="1000" units="1/deg"/>
+          <inkml:channelProperty channel="OE" name="resolution" value="1000" units="1/deg"/>
+        </inkml:channelProperties>
+      </inkml:inkSource>
+      <inkml:timestamp xml:id="ts0" timeString="2021-04-28T15:00:55.131"/>
+    </inkml:context>
+    <inkml:brush xml:id="br0">
+      <inkml:brushProperty name="width" value="0.05" units="cm"/>
+      <inkml:brushProperty name="height" value="0.05" units="cm"/>
+      <inkml:brushProperty name="color" value="#E71224"/>
+    </inkml:brush>
+  </inkml:definitions>
+  <inkml:trace contextRef="#ctx0" brushRef="#br0">22 23 5064 0 0,'-3'7'1379'0'0,"-6"15"9339"0"0,5-11-11422 0 0,3-5 913 0 0,0 1 0 0 0,0-1 0 0 0,0 0 0 0 0,1 10 0 0 0,2 5-6 0 0,6 23 0 0 0,-4-17-32 0 0,7 42 789 0 0,2 112 0 0 0,-10-157-519 0 0,-2-19-273 0 0,-1 0 0 0 0,1 0 0 0 0,-1-1-1 0 0,-1 10 1 0 0,2-2 286 0 0,-1-4 48 0 0,0-8-451 0 0,-1 0-1 0 0,1 0 0 0 0,0 0 1 0 0,0 0-1 0 0,0 0 0 0 0,0 0 1 0 0,0 0-1 0 0,-1 0 0 0 0,1 0 0 0 0,0 0 1 0 0,0 0-1 0 0,0 0 0 0 0,0 1 1 0 0,-1-1-1 0 0,1 0 0 0 0,0 0 0 0 0,0 0 1 0 0,0-1-1 0 0,0 1 0 0 0,-1 0 1 0 0,1 0-1 0 0,0 0 0 0 0,0 0 1 0 0,0 0-1 0 0,0 0 0 0 0,0 0 0 0 0,-1 0 1 0 0,1 0-1 0 0,0 0 0 0 0,0 0 1 0 0,0 0-1 0 0,0 0 0 0 0,0-1 1 0 0,0 1-1 0 0,-1 0 0 0 0,1 0 0 0 0,0 0 1 0 0,0 0-1 0 0,0-1 0 0 0,-2-1 19 0 0,-1-1-1 0 0,1 1 1 0 0,0-1-1 0 0,0 0 0 0 0,0 0 1 0 0,0 0-1 0 0,1 0 1 0 0,-1 0-1 0 0,1-1 1 0 0,0 1-1 0 0,-2-7 0 0 0,-7-41 133 0 0,7 17-163 0 0,0 0 0 0 0,3-37 0 0 0,2 49-37 0 0,0 0 0 0 0,1 0 0 0 0,1 1-1 0 0,10-30 1 0 0,-9 39 21 0 0,0 0-1 0 0,0 0 0 0 0,1 0 1 0 0,1 0-1 0 0,13-17 1 0 0,-16 23-12 0 0,1 1 0 0 0,-1 1 1 0 0,1-1-1 0 0,0 1 0 0 0,0 0 1 0 0,0 0-1 0 0,0 0 0 0 0,1 0 1 0 0,0 1-1 0 0,-1 0 1 0 0,1 0-1 0 0,0 1 0 0 0,8-3 1 0 0,-9 4 4 0 0,-1 0 0 0 0,1 0 0 0 0,0 0 1 0 0,-1 0-1 0 0,1 1 0 0 0,-1-1 0 0 0,1 1 0 0 0,0 0 1 0 0,-1 1-1 0 0,1-1 0 0 0,0 1 0 0 0,-1 0 1 0 0,7 2-1 0 0,-6-1 9 0 0,0 0 1 0 0,0 0 0 0 0,0 0-1 0 0,0 1 1 0 0,0 0-1 0 0,0 0 1 0 0,-1 0-1 0 0,0 0 1 0 0,1 1-1 0 0,-1-1 1 0 0,-1 1-1 0 0,1 0 1 0 0,0 1-1 0 0,-1-1 1 0 0,0 0 0 0 0,0 1-1 0 0,0 0 1 0 0,-1 0-1 0 0,0 0 1 0 0,0 0-1 0 0,0 0 1 0 0,0 0-1 0 0,-1 1 1 0 0,0-1-1 0 0,0 0 1 0 0,0 7 0 0 0,-1-4 36 0 0,-2 0 1 0 0,1 0 0 0 0,-1 0 0 0 0,0 0-1 0 0,-1 0 1 0 0,0-1 0 0 0,0 1 0 0 0,-1-1 0 0 0,0 0-1 0 0,0 0 1 0 0,0 0 0 0 0,-1-1 0 0 0,0 0-1 0 0,-8 9 1 0 0,9-12-35 0 0,0 0-1 0 0,0 0 1 0 0,0 0-1 0 0,0-1 1 0 0,0 1-1 0 0,0-1 0 0 0,-1 0 1 0 0,1 0-1 0 0,-1 0 1 0 0,0-1-1 0 0,1 0 1 0 0,-1 0-1 0 0,0 0 1 0 0,0 0-1 0 0,0-1 1 0 0,1 0-1 0 0,-11 0 1 0 0,-3-2-385 0 0,-1-1 1 0 0,1-1 0 0 0,-24-8-1 0 0,12 4-1607 0 0,22 5-794 0 0</inkml:trace>
+</inkml:ink>
+</file>
+
+<file path=ppt/ink/ink5.xml><?xml version="1.0" encoding="utf-8"?>
+<inkml:ink xmlns:inkml="http://www.w3.org/2003/InkML">
+  <inkml:definitions>
+    <inkml:context xml:id="ctx0">
+      <inkml:inkSource xml:id="inkSrc0">
+        <inkml:traceFormat>
+          <inkml:channel name="X" type="integer" min="-2.14748E9" max="2.14748E9" units="cm"/>
+          <inkml:channel name="Y" type="integer" min="-2.14748E9" max="2.14748E9" units="cm"/>
+          <inkml:channel name="F" type="integer" max="32767" units="dev"/>
+          <inkml:channel name="OA" type="integer" max="360" units="deg"/>
+          <inkml:channel name="OE" type="integer" max="90" units="deg"/>
+        </inkml:traceFormat>
+        <inkml:channelProperties>
+          <inkml:channelProperty channel="X" name="resolution" value="1000" units="1/cm"/>
+          <inkml:channelProperty channel="Y" name="resolution" value="1000" units="1/cm"/>
+          <inkml:channelProperty channel="F" name="resolution" value="0" units="1/dev"/>
+          <inkml:channelProperty channel="OA" name="resolution" value="1000" units="1/deg"/>
+          <inkml:channelProperty channel="OE" name="resolution" value="1000" units="1/deg"/>
+        </inkml:channelProperties>
+      </inkml:inkSource>
+      <inkml:timestamp xml:id="ts0" timeString="2021-04-28T15:00:55.507"/>
+    </inkml:context>
+    <inkml:brush xml:id="br0">
+      <inkml:brushProperty name="width" value="0.05" units="cm"/>
+      <inkml:brushProperty name="height" value="0.05" units="cm"/>
+      <inkml:brushProperty name="color" value="#E71224"/>
+    </inkml:brush>
+  </inkml:definitions>
+  <inkml:trace contextRef="#ctx0" brushRef="#br0">1 488 4608 0 0,'0'0'11325'0'0,"3"-12"-8439"0"0,5-20-800 0 0,-2 5-1114 0 0,9-19 416 0 0,15-75 0 0 0,-22 84-1158 0 0,2 0 1 0 0,2 1 0 0 0,19-41-1 0 0,-27 70-197 0 0,-1 0 0 0 0,1 1 0 0 0,0-1 0 0 0,6-6-1 0 0,-9 11-20 0 0,0 0-1 0 0,1 1 0 0 0,-1-1 1 0 0,1 0-1 0 0,0 1 0 0 0,0-1 1 0 0,0 1-1 0 0,-1 0 0 0 0,1 0 1 0 0,0-1-1 0 0,1 1 0 0 0,-1 1 1 0 0,0-1-1 0 0,0 0 0 0 0,0 0 1 0 0,0 1-1 0 0,5-1 0 0 0,-5 1-10 0 0,0 0 0 0 0,-1 0 0 0 0,1 1 0 0 0,0-1 0 0 0,0 1 0 0 0,-1 0 0 0 0,1-1 0 0 0,0 1 0 0 0,-1 0 0 0 0,1 0 0 0 0,-1 0-1 0 0,1 0 1 0 0,-1 0 0 0 0,1 0 0 0 0,-1 0 0 0 0,0 1 0 0 0,1-1 0 0 0,-1 0 0 0 0,0 1 0 0 0,2 2 0 0 0,1 4-2 0 0,1 1 0 0 0,6 16 0 0 0,-5-11 0 0 0,3 11 68 0 0,-1 0 0 0 0,-1 1 0 0 0,-2-1 0 0 0,4 31 0 0 0,-3-18-19 0 0,0 14 56 0 0,2 11-44 0 0,-5-43-966 0 0,-1 0 0 0 0,-1 29 1 0 0,-2-48-486 0 0,-3 2-232 0 0</inkml:trace>
+</inkml:ink>
+</file>
+
+<file path=ppt/ink/ink6.xml><?xml version="1.0" encoding="utf-8"?>
+<inkml:ink xmlns:inkml="http://www.w3.org/2003/InkML">
+  <inkml:definitions>
+    <inkml:context xml:id="ctx0">
+      <inkml:inkSource xml:id="inkSrc0">
+        <inkml:traceFormat>
+          <inkml:channel name="X" type="integer" min="-2.14748E9" max="2.14748E9" units="cm"/>
+          <inkml:channel name="Y" type="integer" min="-2.14748E9" max="2.14748E9" units="cm"/>
+          <inkml:channel name="F" type="integer" max="32767" units="dev"/>
+          <inkml:channel name="OA" type="integer" max="360" units="deg"/>
+          <inkml:channel name="OE" type="integer" max="90" units="deg"/>
+        </inkml:traceFormat>
+        <inkml:channelProperties>
+          <inkml:channelProperty channel="X" name="resolution" value="1000" units="1/cm"/>
+          <inkml:channelProperty channel="Y" name="resolution" value="1000" units="1/cm"/>
+          <inkml:channelProperty channel="F" name="resolution" value="0" units="1/dev"/>
+          <inkml:channelProperty channel="OA" name="resolution" value="1000" units="1/deg"/>
+          <inkml:channelProperty channel="OE" name="resolution" value="1000" units="1/deg"/>
+        </inkml:channelProperties>
+      </inkml:inkSource>
+      <inkml:timestamp xml:id="ts0" timeString="2021-04-28T15:00:55.849"/>
+    </inkml:context>
+    <inkml:brush xml:id="br0">
+      <inkml:brushProperty name="width" value="0.05" units="cm"/>
+      <inkml:brushProperty name="height" value="0.05" units="cm"/>
+      <inkml:brushProperty name="color" value="#E71224"/>
+    </inkml:brush>
+  </inkml:definitions>
+  <inkml:trace contextRef="#ctx0" brushRef="#br0">0 45 19351 0 0,'0'0'1751'0'0,"14"0"-1406"0"0,31 3 1119 0 0,10-6-801 0 0,-35 3-690 0 0,29-4-1 0 0,-15-1 239 0 0,47-11-298 0 0,-30 4-3655 0 0,-26 4-3623 0 0</inkml:trace>
+</inkml:ink>
+</file>
+
+<file path=ppt/ink/ink7.xml><?xml version="1.0" encoding="utf-8"?>
+<inkml:ink xmlns:inkml="http://www.w3.org/2003/InkML">
+  <inkml:definitions>
+    <inkml:context xml:id="ctx0">
+      <inkml:inkSource xml:id="inkSrc0">
+        <inkml:traceFormat>
+          <inkml:channel name="X" type="integer" min="-2.14748E9" max="2.14748E9" units="cm"/>
+          <inkml:channel name="Y" type="integer" min="-2.14748E9" max="2.14748E9" units="cm"/>
+          <inkml:channel name="F" type="integer" max="32767" units="dev"/>
+          <inkml:channel name="OA" type="integer" max="360" units="deg"/>
+          <inkml:channel name="OE" type="integer" max="90" units="deg"/>
+        </inkml:traceFormat>
+        <inkml:channelProperties>
+          <inkml:channelProperty channel="X" name="resolution" value="1000" units="1/cm"/>
+          <inkml:channelProperty channel="Y" name="resolution" value="1000" units="1/cm"/>
+          <inkml:channelProperty channel="F" name="resolution" value="0" units="1/dev"/>
+          <inkml:channelProperty channel="OA" name="resolution" value="1000" units="1/deg"/>
+          <inkml:channelProperty channel="OE" name="resolution" value="1000" units="1/deg"/>
+        </inkml:channelProperties>
+      </inkml:inkSource>
+      <inkml:timestamp xml:id="ts0" timeString="2021-04-28T15:00:56.221"/>
+    </inkml:context>
+    <inkml:brush xml:id="br0">
+      <inkml:brushProperty name="width" value="0.05" units="cm"/>
+      <inkml:brushProperty name="height" value="0.05" units="cm"/>
+      <inkml:brushProperty name="color" value="#E71224"/>
+    </inkml:brush>
+  </inkml:definitions>
+  <inkml:trace contextRef="#ctx0" brushRef="#br0">68 83 10136 0 0,'-10'-13'5276'0'0,"10"13"-5025"0"0,0-1 1 0 0,0 1 0 0 0,0-1 0 0 0,0 1 0 0 0,1-1 0 0 0,-1 1 0 0 0,0-1 0 0 0,0 1 0 0 0,1-1 0 0 0,-1 1 0 0 0,0-1 0 0 0,1 1-1 0 0,-1 0 1 0 0,0-1 0 0 0,1 1 0 0 0,-1-1 0 0 0,1 1 0 0 0,-1 0 0 0 0,1 0 0 0 0,-1-1 0 0 0,1 1 0 0 0,0-1 0 0 0,14-4-498 0 0,-11 3 753 0 0,44-20 1149 0 0,-35 15-2042 0 0,1 1-1 0 0,27-9 0 0 0,-33 13-4967 0 0</inkml:trace>
+  <inkml:trace contextRef="#ctx0" brushRef="#br0" timeOffset="1">35 100 12440 0 0,'0'0'957'0'0,"-5"4"-586"0"0,2-1 35 0 0,0 0 1 0 0,0 0 0 0 0,1 0-1 0 0,0 0 1 0 0,-1 1 0 0 0,1-1 0 0 0,1 0-1 0 0,-1 1 1 0 0,0 0 0 0 0,1-1 0 0 0,0 1-1 0 0,0 0 1 0 0,0 0 0 0 0,0 0-1 0 0,0 6 1 0 0,1-7-314 0 0,0-1 1 0 0,0 1-1 0 0,0 0 1 0 0,0-1-1 0 0,1 1 0 0 0,-1-1 1 0 0,1 1-1 0 0,-1-1 0 0 0,1 1 1 0 0,0-1-1 0 0,0 1 0 0 0,1-1 1 0 0,-1 0-1 0 0,0 1 0 0 0,1-1 1 0 0,-1 0-1 0 0,1 0 0 0 0,0 0 1 0 0,-1 0-1 0 0,1-1 0 0 0,0 1 1 0 0,0 0-1 0 0,0-1 0 0 0,4 3 1 0 0,9 2 224 0 0,0 1 0 0 0,1-2 0 0 0,0 0 0 0 0,30 5 0 0 0,-11-3 322 0 0,-31-6-583 0 0,-1 0 0 0 0,0 0 0 0 0,1 0 1 0 0,-1 0-1 0 0,0 1 0 0 0,1-1 0 0 0,-1 1 0 0 0,0 0 0 0 0,0 0 0 0 0,-1 0 0 0 0,1 1 0 0 0,0-1 0 0 0,4 5 0 0 0,-6-5-12 0 0,0-1 0 0 0,-1 1 0 0 0,1 0 0 0 0,0-1 0 0 0,0 1 0 0 0,-1 0 0 0 0,1-1 0 0 0,-1 1 0 0 0,1 0 0 0 0,-1 0 0 0 0,0 0 0 0 0,0-1 0 0 0,0 1 0 0 0,0 0-1 0 0,0 0 1 0 0,0 0 0 0 0,0 0 0 0 0,0-1 0 0 0,-1 1 0 0 0,1 0 0 0 0,-1 0 0 0 0,1-1 0 0 0,-1 1 0 0 0,0 0 0 0 0,0-1 0 0 0,0 1 0 0 0,0-1 0 0 0,-1 3 0 0 0,-8 9 47 0 0,0 0 1 0 0,0-1-1 0 0,-25 22 0 0 0,23-23-188 0 0,3-2-601 0 0,0-1 0 0 0,-1 0 0 0 0,0-1 0 0 0,-14 8 0 0 0,2-6-7929 0 0</inkml:trace>
+</inkml:ink>
+</file>
+
+<file path=ppt/ink/ink8.xml><?xml version="1.0" encoding="utf-8"?>
+<inkml:ink xmlns:inkml="http://www.w3.org/2003/InkML">
+  <inkml:definitions>
+    <inkml:context xml:id="ctx0">
+      <inkml:inkSource xml:id="inkSrc0">
+        <inkml:traceFormat>
+          <inkml:channel name="X" type="integer" min="-2.14748E9" max="2.14748E9" units="cm"/>
+          <inkml:channel name="Y" type="integer" min="-2.14748E9" max="2.14748E9" units="cm"/>
+          <inkml:channel name="F" type="integer" max="32767" units="dev"/>
+          <inkml:channel name="OA" type="integer" max="360" units="deg"/>
+          <inkml:channel name="OE" type="integer" max="90" units="deg"/>
+        </inkml:traceFormat>
+        <inkml:channelProperties>
+          <inkml:channelProperty channel="X" name="resolution" value="1000" units="1/cm"/>
+          <inkml:channelProperty channel="Y" name="resolution" value="1000" units="1/cm"/>
+          <inkml:channelProperty channel="F" name="resolution" value="0" units="1/dev"/>
+          <inkml:channelProperty channel="OA" name="resolution" value="1000" units="1/deg"/>
+          <inkml:channelProperty channel="OE" name="resolution" value="1000" units="1/deg"/>
+        </inkml:channelProperties>
+      </inkml:inkSource>
+      <inkml:timestamp xml:id="ts0" timeString="2021-04-28T15:00:58.026"/>
+    </inkml:context>
+    <inkml:brush xml:id="br0">
+      <inkml:brushProperty name="width" value="0.05" units="cm"/>
+      <inkml:brushProperty name="height" value="0.05" units="cm"/>
+      <inkml:brushProperty name="color" value="#E71224"/>
+    </inkml:brush>
+  </inkml:definitions>
+  <inkml:trace contextRef="#ctx0" brushRef="#br0">11 38 3224 0 0,'-10'2'12578'0'0,"12"-4"-12472"0"0,0 1-1 0 0,1-1 0 0 0,-1 1 1 0 0,0 0-1 0 0,1 0 1 0 0,-1 0-1 0 0,1 0 1 0 0,-1 0-1 0 0,1 1 0 0 0,-1-1 1 0 0,1 1-1 0 0,0 0 1 0 0,4-1-1 0 0,5 2-53 0 0,22 3 0 0 0,-10 0-19 0 0,23 5-33 0 0,-33-6 5 0 0,23 2 1 0 0,-27-4 14 0 0,-1 1 1 0 0,1 0-1 0 0,-1 0 0 0 0,0 1 1 0 0,0 0-1 0 0,0 1 0 0 0,9 4 1 0 0,-9-4 48 0 0,-7-3 426 0 0,-17-13-93 0 0,3 2-271 0 0,9 8-108 0 0,0-1-1 0 0,0 1 1 0 0,0 0-1 0 0,-1 0 1 0 0,1 0-1 0 0,0 0 1 0 0,-7-2-1 0 0,-51-16 106 0 0,55 16-97 0 0,6 3-24 0 0,-1 1-1 0 0,1-1 1 0 0,-1 1 0 0 0,0-1 0 0 0,1 0 0 0 0,-1 1 0 0 0,0-1-1 0 0,0 1 1 0 0,1 0 0 0 0,-1-1 0 0 0,0 1 0 0 0,0-1 0 0 0,0 1 0 0 0,-1 0-1 0 0,2 0 1 0 0,0 0 0 0 0,0 0 0 0 0,0 0 0 0 0,0 0 0 0 0,-1 0 0 0 0,1-1-1 0 0,0 1 1 0 0,0 0 0 0 0,0 0 0 0 0,0 0 0 0 0,0 0 0 0 0,0 0-1 0 0,-1 0 1 0 0,1 0 0 0 0,0 0 0 0 0,0 0 0 0 0,0 0 0 0 0,0 0 0 0 0,0-1-1 0 0,0 1 1 0 0,0 0 0 0 0,0 0 0 0 0,0 0 0 0 0,-1 0 0 0 0,1 0 0 0 0,0 0-1 0 0,0 0 1 0 0,0-1 0 0 0,0 1 0 0 0,0 0 0 0 0,0 0 0 0 0,0 0-1 0 0,0 0 1 0 0,0 0 0 0 0,0-1 0 0 0,0 1 0 0 0,0 0 0 0 0,0 0 0 0 0,0 0-1 0 0,0 0 1 0 0,0 0 0 0 0,0 0 0 0 0,0-1 0 0 0,0 1 0 0 0,0 0-1 0 0,0 0 1 0 0,1 0 0 0 0,-1 0 0 0 0,0 0 0 0 0,0 0 0 0 0,0-1 0 0 0,0 1-1 0 0,0 0 1 0 0,0 0 0 0 0,0 0 0 0 0,0 0 0 0 0,0 0 0 0 0,1 0-1 0 0,5-4 134 0 0,54 6-42 0 0,13-2-88 0 0,3 0 546 0 0,-74 0-509 0 0,-1 0-1 0 0,1 0 0 0 0,0 0 0 0 0,0 0 1 0 0,0 0-1 0 0,0 0 0 0 0,0 0 0 0 0,0 1 0 0 0,0-1 1 0 0,0 1-1 0 0,0 0 0 0 0,-1-1 0 0 0,1 1 1 0 0,0 0-1 0 0,0 0 0 0 0,-1 0 0 0 0,1 0 1 0 0,-1 0-1 0 0,1 0 0 0 0,-1 1 0 0 0,2 1 0 0 0,-2-2 7 0 0,0 1-1 0 0,-1-1 0 0 0,1 1 0 0 0,0-1 1 0 0,-1 1-1 0 0,0-1 0 0 0,1 1 0 0 0,-1 0 1 0 0,0-1-1 0 0,0 1 0 0 0,0-1 1 0 0,0 1-1 0 0,0 0 0 0 0,0-1 0 0 0,0 1 1 0 0,-1-1-1 0 0,1 1 0 0 0,-1-1 0 0 0,1 1 1 0 0,-1 0-1 0 0,1-1 0 0 0,-1 0 0 0 0,0 1 1 0 0,0-1-1 0 0,0 1 0 0 0,-1 1 0 0 0,-12 15 345 0 0,-26 28 0 0 0,2-3-235 0 0,4 1-1280 0 0,31-38 358 0 0</inkml:trace>
+</inkml:ink>
+</file>
+
+<file path=ppt/ink/ink9.xml><?xml version="1.0" encoding="utf-8"?>
+<inkml:ink xmlns:inkml="http://www.w3.org/2003/InkML">
+  <inkml:definitions>
+    <inkml:context xml:id="ctx0">
+      <inkml:inkSource xml:id="inkSrc0">
+        <inkml:traceFormat>
+          <inkml:channel name="X" type="integer" min="-2.14748E9" max="2.14748E9" units="cm"/>
+          <inkml:channel name="Y" type="integer" min="-2.14748E9" max="2.14748E9" units="cm"/>
+          <inkml:channel name="F" type="integer" max="32767" units="dev"/>
+          <inkml:channel name="OA" type="integer" max="360" units="deg"/>
+          <inkml:channel name="OE" type="integer" max="90" units="deg"/>
+        </inkml:traceFormat>
+        <inkml:channelProperties>
+          <inkml:channelProperty channel="X" name="resolution" value="1000" units="1/cm"/>
+          <inkml:channelProperty channel="Y" name="resolution" value="1000" units="1/cm"/>
+          <inkml:channelProperty channel="F" name="resolution" value="0" units="1/dev"/>
+          <inkml:channelProperty channel="OA" name="resolution" value="1000" units="1/deg"/>
+          <inkml:channelProperty channel="OE" name="resolution" value="1000" units="1/deg"/>
+        </inkml:channelProperties>
+      </inkml:inkSource>
+      <inkml:timestamp xml:id="ts0" timeString="2021-04-28T15:00:58.484"/>
+    </inkml:context>
+    <inkml:brush xml:id="br0">
+      <inkml:brushProperty name="width" value="0.05" units="cm"/>
+      <inkml:brushProperty name="height" value="0.05" units="cm"/>
+      <inkml:brushProperty name="color" value="#E71224"/>
+    </inkml:brush>
+  </inkml:definitions>
+  <inkml:trace contextRef="#ctx0" brushRef="#br0">192 266 2760 0 0,'0'-1'-21'0'0,"0"1"0"0"0,0 0 0 0 0,0-1 0 0 0,0 1 0 0 0,-1-1 0 0 0,1 1 0 0 0,0 0 0 0 0,0-1 0 0 0,-1 1-1 0 0,1 0 1 0 0,0 0 0 0 0,-1-1 0 0 0,1 1 0 0 0,0 0 0 0 0,-1-1 0 0 0,1 1 0 0 0,-1 0 0 0 0,0 0 0 0 0,0-1 255 0 0,1 1 0 0 0,-1 0 0 0 0,0 0 0 0 0,0 0 0 0 0,0 0 0 0 0,0 0-1 0 0,0 0 1 0 0,0 1 0 0 0,0-1 0 0 0,0 0 0 0 0,1 0 0 0 0,-1 1 0 0 0,0-1 0 0 0,-1 1 0 0 0,-23 16 7165 0 0,21-14-6945 0 0,0 0-270 0 0,0-1 0 0 0,-1 0 0 0 0,1 0 0 0 0,-6 2 0 0 0,6-2-97 0 0,1-1 1 0 0,-1 1 0 0 0,1-1 0 0 0,-1 1-1 0 0,1 0 1 0 0,0 0 0 0 0,-6 5 0 0 0,0 2 124 0 0,1 1 1 0 0,0 0-1 0 0,0 0 1 0 0,1 0-1 0 0,0 1 1 0 0,-5 13-1 0 0,8-15-158 0 0,0 0-1 0 0,0 0 0 0 0,1 0 1 0 0,0 1-1 0 0,1-1 0 0 0,-1 12 0 0 0,2-18-31 0 0,1 0-1 0 0,0 0 0 0 0,0 0 0 0 0,0 0 1 0 0,1 0-1 0 0,-1 0 0 0 0,1 0 0 0 0,-1-1 1 0 0,1 1-1 0 0,0 0 0 0 0,0 0 0 0 0,0-1 1 0 0,1 1-1 0 0,-1 0 0 0 0,0-1 0 0 0,1 1 0 0 0,0-1 1 0 0,0 0-1 0 0,0 1 0 0 0,0-1 0 0 0,0 0 1 0 0,0 0-1 0 0,0-1 0 0 0,4 4 0 0 0,-4-5 11 0 0,-1 1 0 0 0,0 0-1 0 0,1-1 1 0 0,-1 1-1 0 0,1 0 1 0 0,-1-1-1 0 0,1 0 1 0 0,-1 1 0 0 0,1-1-1 0 0,-1 0 1 0 0,1 0-1 0 0,-1 0 1 0 0,1 0-1 0 0,-1 0 1 0 0,1 0-1 0 0,-1 0 1 0 0,1-1 0 0 0,1 0-1 0 0,1 0 33 0 0,-1 0-1 0 0,0-1 0 0 0,0 1 1 0 0,0-1-1 0 0,0 0 1 0 0,0 0-1 0 0,4-5 1 0 0,2-1 140 0 0,-1-1 1 0 0,0-1 0 0 0,10-15 0 0 0,-11 12-52 0 0,0 0-1 0 0,0 0 1 0 0,-2-1-1 0 0,1 1 1 0 0,3-16-1 0 0,11-70 510 0 0,-20 98-660 0 0,16-150 1248 0 0,-14 117-862 0 0,6-60 2938 0 0,-5 100-3188 0 0,0 3-127 0 0,-1 0 0 0 0,1 0 0 0 0,-1 0-1 0 0,-1 1 1 0 0,1 18 0 0 0,2 14 4 0 0,5 43-101 0 0,-8-61 17 0 0,1-1-1 0 0,1 0 1 0 0,1 1-1 0 0,11 33 1 0 0,-13-49-206 0 0,2-1 0 0 0,8 15 0 0 0,1-6-2204 0 0,-12-15 1555 0 0,1 0 0 0 0,0 1-1 0 0,-1-1 1 0 0,1 0 0 0 0,0 0 0 0 0,-1 0 0 0 0,5 1 0 0 0,2 0-5697 0 0</inkml:trace>
+</inkml:ink>
 </file>
 
 <file path=ppt/notesMasters/notesMaster1.xml><?xml version="1.0" encoding="utf-8"?>
@@ -4279,6 +4858,894 @@
           </a:p>
         </p:txBody>
       </p:sp>
+      <mc:AlternateContent xmlns:mc="http://schemas.openxmlformats.org/markup-compatibility/2006">
+        <mc:Choice xmlns:p14="http://schemas.microsoft.com/office/powerpoint/2010/main" Requires="p14">
+          <p:contentPart p14:bwMode="auto" r:id="rId2">
+            <p14:nvContentPartPr>
+              <p14:cNvPr id="4" name="Ink 3">
+                <a:extLst>
+                  <a:ext uri="{FF2B5EF4-FFF2-40B4-BE49-F238E27FC236}">
+                    <a16:creationId xmlns:a16="http://schemas.microsoft.com/office/drawing/2014/main" id="{51B42C86-E2A0-4CD3-BD9D-C74C8E3C99B7}"/>
+                  </a:ext>
+                </a:extLst>
+              </p14:cNvPr>
+              <p14:cNvContentPartPr/>
+              <p14:nvPr/>
+            </p14:nvContentPartPr>
+            <p14:xfrm>
+              <a:off x="2256049" y="1691539"/>
+              <a:ext cx="557640" cy="25920"/>
+            </p14:xfrm>
+          </p:contentPart>
+        </mc:Choice>
+        <mc:Fallback>
+          <p:pic>
+            <p:nvPicPr>
+              <p:cNvPr id="4" name="Ink 3">
+                <a:extLst>
+                  <a:ext uri="{FF2B5EF4-FFF2-40B4-BE49-F238E27FC236}">
+                    <a16:creationId xmlns:a16="http://schemas.microsoft.com/office/drawing/2014/main" id="{51B42C86-E2A0-4CD3-BD9D-C74C8E3C99B7}"/>
+                  </a:ext>
+                </a:extLst>
+              </p:cNvPr>
+              <p:cNvPicPr/>
+              <p:nvPr/>
+            </p:nvPicPr>
+            <p:blipFill>
+              <a:blip r:embed="rId3"/>
+              <a:stretch>
+                <a:fillRect/>
+              </a:stretch>
+            </p:blipFill>
+            <p:spPr>
+              <a:xfrm>
+                <a:off x="2247409" y="1682899"/>
+                <a:ext cx="575280" cy="43560"/>
+              </a:xfrm>
+              <a:prstGeom prst="rect">
+                <a:avLst/>
+              </a:prstGeom>
+            </p:spPr>
+          </p:pic>
+        </mc:Fallback>
+      </mc:AlternateContent>
+      <mc:AlternateContent xmlns:mc="http://schemas.openxmlformats.org/markup-compatibility/2006">
+        <mc:Choice xmlns:p14="http://schemas.microsoft.com/office/powerpoint/2010/main" Requires="p14">
+          <p:contentPart p14:bwMode="auto" r:id="rId4">
+            <p14:nvContentPartPr>
+              <p14:cNvPr id="5" name="Ink 4">
+                <a:extLst>
+                  <a:ext uri="{FF2B5EF4-FFF2-40B4-BE49-F238E27FC236}">
+                    <a16:creationId xmlns:a16="http://schemas.microsoft.com/office/drawing/2014/main" id="{CA9B6395-39A5-4BED-A33A-99044C37577E}"/>
+                  </a:ext>
+                </a:extLst>
+              </p14:cNvPr>
+              <p14:cNvContentPartPr/>
+              <p14:nvPr/>
+            </p14:nvContentPartPr>
+            <p14:xfrm>
+              <a:off x="1813969" y="2138299"/>
+              <a:ext cx="740520" cy="29520"/>
+            </p14:xfrm>
+          </p:contentPart>
+        </mc:Choice>
+        <mc:Fallback>
+          <p:pic>
+            <p:nvPicPr>
+              <p:cNvPr id="5" name="Ink 4">
+                <a:extLst>
+                  <a:ext uri="{FF2B5EF4-FFF2-40B4-BE49-F238E27FC236}">
+                    <a16:creationId xmlns:a16="http://schemas.microsoft.com/office/drawing/2014/main" id="{CA9B6395-39A5-4BED-A33A-99044C37577E}"/>
+                  </a:ext>
+                </a:extLst>
+              </p:cNvPr>
+              <p:cNvPicPr/>
+              <p:nvPr/>
+            </p:nvPicPr>
+            <p:blipFill>
+              <a:blip r:embed="rId5"/>
+              <a:stretch>
+                <a:fillRect/>
+              </a:stretch>
+            </p:blipFill>
+            <p:spPr>
+              <a:xfrm>
+                <a:off x="1804969" y="2129299"/>
+                <a:ext cx="758160" cy="47160"/>
+              </a:xfrm>
+              <a:prstGeom prst="rect">
+                <a:avLst/>
+              </a:prstGeom>
+            </p:spPr>
+          </p:pic>
+        </mc:Fallback>
+      </mc:AlternateContent>
+      <mc:AlternateContent xmlns:mc="http://schemas.openxmlformats.org/markup-compatibility/2006">
+        <mc:Choice xmlns:p14="http://schemas.microsoft.com/office/powerpoint/2010/main" Requires="p14">
+          <p:contentPart p14:bwMode="auto" r:id="rId6">
+            <p14:nvContentPartPr>
+              <p14:cNvPr id="6" name="Ink 5">
+                <a:extLst>
+                  <a:ext uri="{FF2B5EF4-FFF2-40B4-BE49-F238E27FC236}">
+                    <a16:creationId xmlns:a16="http://schemas.microsoft.com/office/drawing/2014/main" id="{88720A69-F839-4AF0-8026-E42A62306220}"/>
+                  </a:ext>
+                </a:extLst>
+              </p14:cNvPr>
+              <p14:cNvContentPartPr/>
+              <p14:nvPr/>
+            </p14:nvContentPartPr>
+            <p14:xfrm>
+              <a:off x="2308609" y="2579659"/>
+              <a:ext cx="733680" cy="21960"/>
+            </p14:xfrm>
+          </p:contentPart>
+        </mc:Choice>
+        <mc:Fallback>
+          <p:pic>
+            <p:nvPicPr>
+              <p:cNvPr id="6" name="Ink 5">
+                <a:extLst>
+                  <a:ext uri="{FF2B5EF4-FFF2-40B4-BE49-F238E27FC236}">
+                    <a16:creationId xmlns:a16="http://schemas.microsoft.com/office/drawing/2014/main" id="{88720A69-F839-4AF0-8026-E42A62306220}"/>
+                  </a:ext>
+                </a:extLst>
+              </p:cNvPr>
+              <p:cNvPicPr/>
+              <p:nvPr/>
+            </p:nvPicPr>
+            <p:blipFill>
+              <a:blip r:embed="rId7"/>
+              <a:stretch>
+                <a:fillRect/>
+              </a:stretch>
+            </p:blipFill>
+            <p:spPr>
+              <a:xfrm>
+                <a:off x="2299609" y="2571019"/>
+                <a:ext cx="751320" cy="39600"/>
+              </a:xfrm>
+              <a:prstGeom prst="rect">
+                <a:avLst/>
+              </a:prstGeom>
+            </p:spPr>
+          </p:pic>
+        </mc:Fallback>
+      </mc:AlternateContent>
+      <p:grpSp>
+        <p:nvGrpSpPr>
+          <p:cNvPr id="22" name="Group 21">
+            <a:extLst>
+              <a:ext uri="{FF2B5EF4-FFF2-40B4-BE49-F238E27FC236}">
+                <a16:creationId xmlns:a16="http://schemas.microsoft.com/office/drawing/2014/main" id="{EDE979A1-40A9-45C7-ACA5-781A0EC08587}"/>
+              </a:ext>
+            </a:extLst>
+          </p:cNvPr>
+          <p:cNvGrpSpPr/>
+          <p:nvPr/>
+        </p:nvGrpSpPr>
+        <p:grpSpPr>
+          <a:xfrm>
+            <a:off x="886249" y="2895019"/>
+            <a:ext cx="1832400" cy="248040"/>
+            <a:chOff x="886249" y="2895019"/>
+            <a:chExt cx="1832400" cy="248040"/>
+          </a:xfrm>
+        </p:grpSpPr>
+        <mc:AlternateContent xmlns:mc="http://schemas.openxmlformats.org/markup-compatibility/2006">
+          <mc:Choice xmlns:p14="http://schemas.microsoft.com/office/powerpoint/2010/main" Requires="p14">
+            <p:contentPart p14:bwMode="auto" r:id="rId8">
+              <p14:nvContentPartPr>
+                <p14:cNvPr id="7" name="Ink 6">
+                  <a:extLst>
+                    <a:ext uri="{FF2B5EF4-FFF2-40B4-BE49-F238E27FC236}">
+                      <a16:creationId xmlns:a16="http://schemas.microsoft.com/office/drawing/2014/main" id="{82BB8832-09D4-43AF-92D1-6511CA29AEAC}"/>
+                    </a:ext>
+                  </a:extLst>
+                </p14:cNvPr>
+                <p14:cNvContentPartPr/>
+                <p14:nvPr/>
+              </p14:nvContentPartPr>
+              <p14:xfrm>
+                <a:off x="886249" y="2946139"/>
+                <a:ext cx="113400" cy="188640"/>
+              </p14:xfrm>
+            </p:contentPart>
+          </mc:Choice>
+          <mc:Fallback>
+            <p:pic>
+              <p:nvPicPr>
+                <p:cNvPr id="7" name="Ink 6">
+                  <a:extLst>
+                    <a:ext uri="{FF2B5EF4-FFF2-40B4-BE49-F238E27FC236}">
+                      <a16:creationId xmlns:a16="http://schemas.microsoft.com/office/drawing/2014/main" id="{82BB8832-09D4-43AF-92D1-6511CA29AEAC}"/>
+                    </a:ext>
+                  </a:extLst>
+                </p:cNvPr>
+                <p:cNvPicPr/>
+                <p:nvPr/>
+              </p:nvPicPr>
+              <p:blipFill>
+                <a:blip r:embed="rId9"/>
+                <a:stretch>
+                  <a:fillRect/>
+                </a:stretch>
+              </p:blipFill>
+              <p:spPr>
+                <a:xfrm>
+                  <a:off x="877249" y="2937139"/>
+                  <a:ext cx="131040" cy="206280"/>
+                </a:xfrm>
+                <a:prstGeom prst="rect">
+                  <a:avLst/>
+                </a:prstGeom>
+              </p:spPr>
+            </p:pic>
+          </mc:Fallback>
+        </mc:AlternateContent>
+        <mc:AlternateContent xmlns:mc="http://schemas.openxmlformats.org/markup-compatibility/2006">
+          <mc:Choice xmlns:p14="http://schemas.microsoft.com/office/powerpoint/2010/main" Requires="p14">
+            <p:contentPart p14:bwMode="auto" r:id="rId10">
+              <p14:nvContentPartPr>
+                <p14:cNvPr id="8" name="Ink 7">
+                  <a:extLst>
+                    <a:ext uri="{FF2B5EF4-FFF2-40B4-BE49-F238E27FC236}">
+                      <a16:creationId xmlns:a16="http://schemas.microsoft.com/office/drawing/2014/main" id="{525F4CF0-30C7-42AD-98CA-710F28648624}"/>
+                    </a:ext>
+                  </a:extLst>
+                </p14:cNvPr>
+                <p14:cNvContentPartPr/>
+                <p14:nvPr/>
+              </p14:nvContentPartPr>
+              <p14:xfrm>
+                <a:off x="1028809" y="2955499"/>
+                <a:ext cx="111960" cy="175680"/>
+              </p14:xfrm>
+            </p:contentPart>
+          </mc:Choice>
+          <mc:Fallback>
+            <p:pic>
+              <p:nvPicPr>
+                <p:cNvPr id="8" name="Ink 7">
+                  <a:extLst>
+                    <a:ext uri="{FF2B5EF4-FFF2-40B4-BE49-F238E27FC236}">
+                      <a16:creationId xmlns:a16="http://schemas.microsoft.com/office/drawing/2014/main" id="{525F4CF0-30C7-42AD-98CA-710F28648624}"/>
+                    </a:ext>
+                  </a:extLst>
+                </p:cNvPr>
+                <p:cNvPicPr/>
+                <p:nvPr/>
+              </p:nvPicPr>
+              <p:blipFill>
+                <a:blip r:embed="rId11"/>
+                <a:stretch>
+                  <a:fillRect/>
+                </a:stretch>
+              </p:blipFill>
+              <p:spPr>
+                <a:xfrm>
+                  <a:off x="1020169" y="2946859"/>
+                  <a:ext cx="129600" cy="193320"/>
+                </a:xfrm>
+                <a:prstGeom prst="rect">
+                  <a:avLst/>
+                </a:prstGeom>
+              </p:spPr>
+            </p:pic>
+          </mc:Fallback>
+        </mc:AlternateContent>
+        <mc:AlternateContent xmlns:mc="http://schemas.openxmlformats.org/markup-compatibility/2006">
+          <mc:Choice xmlns:p14="http://schemas.microsoft.com/office/powerpoint/2010/main" Requires="p14">
+            <p:contentPart p14:bwMode="auto" r:id="rId12">
+              <p14:nvContentPartPr>
+                <p14:cNvPr id="9" name="Ink 8">
+                  <a:extLst>
+                    <a:ext uri="{FF2B5EF4-FFF2-40B4-BE49-F238E27FC236}">
+                      <a16:creationId xmlns:a16="http://schemas.microsoft.com/office/drawing/2014/main" id="{A36337DC-B75E-4597-8910-49E68FA566C5}"/>
+                    </a:ext>
+                  </a:extLst>
+                </p14:cNvPr>
+                <p14:cNvContentPartPr/>
+                <p14:nvPr/>
+              </p14:nvContentPartPr>
+              <p14:xfrm>
+                <a:off x="1045369" y="3022099"/>
+                <a:ext cx="135000" cy="17280"/>
+              </p14:xfrm>
+            </p:contentPart>
+          </mc:Choice>
+          <mc:Fallback>
+            <p:pic>
+              <p:nvPicPr>
+                <p:cNvPr id="9" name="Ink 8">
+                  <a:extLst>
+                    <a:ext uri="{FF2B5EF4-FFF2-40B4-BE49-F238E27FC236}">
+                      <a16:creationId xmlns:a16="http://schemas.microsoft.com/office/drawing/2014/main" id="{A36337DC-B75E-4597-8910-49E68FA566C5}"/>
+                    </a:ext>
+                  </a:extLst>
+                </p:cNvPr>
+                <p:cNvPicPr/>
+                <p:nvPr/>
+              </p:nvPicPr>
+              <p:blipFill>
+                <a:blip r:embed="rId13"/>
+                <a:stretch>
+                  <a:fillRect/>
+                </a:stretch>
+              </p:blipFill>
+              <p:spPr>
+                <a:xfrm>
+                  <a:off x="1036369" y="3013099"/>
+                  <a:ext cx="152640" cy="34920"/>
+                </a:xfrm>
+                <a:prstGeom prst="rect">
+                  <a:avLst/>
+                </a:prstGeom>
+              </p:spPr>
+            </p:pic>
+          </mc:Fallback>
+        </mc:AlternateContent>
+        <mc:AlternateContent xmlns:mc="http://schemas.openxmlformats.org/markup-compatibility/2006">
+          <mc:Choice xmlns:p14="http://schemas.microsoft.com/office/powerpoint/2010/main" Requires="p14">
+            <p:contentPart p14:bwMode="auto" r:id="rId14">
+              <p14:nvContentPartPr>
+                <p14:cNvPr id="10" name="Ink 9">
+                  <a:extLst>
+                    <a:ext uri="{FF2B5EF4-FFF2-40B4-BE49-F238E27FC236}">
+                      <a16:creationId xmlns:a16="http://schemas.microsoft.com/office/drawing/2014/main" id="{2CB781B7-23DB-4E74-A866-B8CAE2E5F8BA}"/>
+                    </a:ext>
+                  </a:extLst>
+                </p14:cNvPr>
+                <p14:cNvContentPartPr/>
+                <p14:nvPr/>
+              </p14:nvContentPartPr>
+              <p14:xfrm>
+                <a:off x="1276129" y="2904739"/>
+                <a:ext cx="83160" cy="174240"/>
+              </p14:xfrm>
+            </p:contentPart>
+          </mc:Choice>
+          <mc:Fallback>
+            <p:pic>
+              <p:nvPicPr>
+                <p:cNvPr id="10" name="Ink 9">
+                  <a:extLst>
+                    <a:ext uri="{FF2B5EF4-FFF2-40B4-BE49-F238E27FC236}">
+                      <a16:creationId xmlns:a16="http://schemas.microsoft.com/office/drawing/2014/main" id="{2CB781B7-23DB-4E74-A866-B8CAE2E5F8BA}"/>
+                    </a:ext>
+                  </a:extLst>
+                </p:cNvPr>
+                <p:cNvPicPr/>
+                <p:nvPr/>
+              </p:nvPicPr>
+              <p:blipFill>
+                <a:blip r:embed="rId15"/>
+                <a:stretch>
+                  <a:fillRect/>
+                </a:stretch>
+              </p:blipFill>
+              <p:spPr>
+                <a:xfrm>
+                  <a:off x="1267489" y="2896099"/>
+                  <a:ext cx="100800" cy="191880"/>
+                </a:xfrm>
+                <a:prstGeom prst="rect">
+                  <a:avLst/>
+                </a:prstGeom>
+              </p:spPr>
+            </p:pic>
+          </mc:Fallback>
+        </mc:AlternateContent>
+        <mc:AlternateContent xmlns:mc="http://schemas.openxmlformats.org/markup-compatibility/2006">
+          <mc:Choice xmlns:p14="http://schemas.microsoft.com/office/powerpoint/2010/main" Requires="p14">
+            <p:contentPart p14:bwMode="auto" r:id="rId16">
+              <p14:nvContentPartPr>
+                <p14:cNvPr id="12" name="Ink 11">
+                  <a:extLst>
+                    <a:ext uri="{FF2B5EF4-FFF2-40B4-BE49-F238E27FC236}">
+                      <a16:creationId xmlns:a16="http://schemas.microsoft.com/office/drawing/2014/main" id="{176A70B3-38B2-4AB0-8AD6-BAF13ECF9C4B}"/>
+                    </a:ext>
+                  </a:extLst>
+                </p14:cNvPr>
+                <p14:cNvContentPartPr/>
+                <p14:nvPr/>
+              </p14:nvContentPartPr>
+              <p14:xfrm>
+                <a:off x="1563409" y="2972419"/>
+                <a:ext cx="152280" cy="78480"/>
+              </p14:xfrm>
+            </p:contentPart>
+          </mc:Choice>
+          <mc:Fallback>
+            <p:pic>
+              <p:nvPicPr>
+                <p:cNvPr id="12" name="Ink 11">
+                  <a:extLst>
+                    <a:ext uri="{FF2B5EF4-FFF2-40B4-BE49-F238E27FC236}">
+                      <a16:creationId xmlns:a16="http://schemas.microsoft.com/office/drawing/2014/main" id="{176A70B3-38B2-4AB0-8AD6-BAF13ECF9C4B}"/>
+                    </a:ext>
+                  </a:extLst>
+                </p:cNvPr>
+                <p:cNvPicPr/>
+                <p:nvPr/>
+              </p:nvPicPr>
+              <p:blipFill>
+                <a:blip r:embed="rId17"/>
+                <a:stretch>
+                  <a:fillRect/>
+                </a:stretch>
+              </p:blipFill>
+              <p:spPr>
+                <a:xfrm>
+                  <a:off x="1554769" y="2963779"/>
+                  <a:ext cx="169920" cy="96120"/>
+                </a:xfrm>
+                <a:prstGeom prst="rect">
+                  <a:avLst/>
+                </a:prstGeom>
+              </p:spPr>
+            </p:pic>
+          </mc:Fallback>
+        </mc:AlternateContent>
+        <mc:AlternateContent xmlns:mc="http://schemas.openxmlformats.org/markup-compatibility/2006">
+          <mc:Choice xmlns:p14="http://schemas.microsoft.com/office/powerpoint/2010/main" Requires="p14">
+            <p:contentPart p14:bwMode="auto" r:id="rId18">
+              <p14:nvContentPartPr>
+                <p14:cNvPr id="13" name="Ink 12">
+                  <a:extLst>
+                    <a:ext uri="{FF2B5EF4-FFF2-40B4-BE49-F238E27FC236}">
+                      <a16:creationId xmlns:a16="http://schemas.microsoft.com/office/drawing/2014/main" id="{E7B25F4A-0963-4BD4-AC34-9F53C28D4F6B}"/>
+                    </a:ext>
+                  </a:extLst>
+                </p14:cNvPr>
+                <p14:cNvContentPartPr/>
+                <p14:nvPr/>
+              </p14:nvContentPartPr>
+              <p14:xfrm>
+                <a:off x="1794169" y="2895019"/>
+                <a:ext cx="119520" cy="196920"/>
+              </p14:xfrm>
+            </p:contentPart>
+          </mc:Choice>
+          <mc:Fallback>
+            <p:pic>
+              <p:nvPicPr>
+                <p:cNvPr id="13" name="Ink 12">
+                  <a:extLst>
+                    <a:ext uri="{FF2B5EF4-FFF2-40B4-BE49-F238E27FC236}">
+                      <a16:creationId xmlns:a16="http://schemas.microsoft.com/office/drawing/2014/main" id="{E7B25F4A-0963-4BD4-AC34-9F53C28D4F6B}"/>
+                    </a:ext>
+                  </a:extLst>
+                </p:cNvPr>
+                <p:cNvPicPr/>
+                <p:nvPr/>
+              </p:nvPicPr>
+              <p:blipFill>
+                <a:blip r:embed="rId19"/>
+                <a:stretch>
+                  <a:fillRect/>
+                </a:stretch>
+              </p:blipFill>
+              <p:spPr>
+                <a:xfrm>
+                  <a:off x="1785169" y="2886019"/>
+                  <a:ext cx="137160" cy="214560"/>
+                </a:xfrm>
+                <a:prstGeom prst="rect">
+                  <a:avLst/>
+                </a:prstGeom>
+              </p:spPr>
+            </p:pic>
+          </mc:Fallback>
+        </mc:AlternateContent>
+        <mc:AlternateContent xmlns:mc="http://schemas.openxmlformats.org/markup-compatibility/2006">
+          <mc:Choice xmlns:p14="http://schemas.microsoft.com/office/powerpoint/2010/main" Requires="p14">
+            <p:contentPart p14:bwMode="auto" r:id="rId20">
+              <p14:nvContentPartPr>
+                <p14:cNvPr id="14" name="Ink 13">
+                  <a:extLst>
+                    <a:ext uri="{FF2B5EF4-FFF2-40B4-BE49-F238E27FC236}">
+                      <a16:creationId xmlns:a16="http://schemas.microsoft.com/office/drawing/2014/main" id="{653F543F-3B2B-4937-9AB8-2AF49F9EE0B2}"/>
+                    </a:ext>
+                  </a:extLst>
+                </p14:cNvPr>
+                <p14:cNvContentPartPr/>
+                <p14:nvPr/>
+              </p14:nvContentPartPr>
+              <p14:xfrm>
+                <a:off x="1939969" y="3000499"/>
+                <a:ext cx="15120" cy="78480"/>
+              </p14:xfrm>
+            </p:contentPart>
+          </mc:Choice>
+          <mc:Fallback>
+            <p:pic>
+              <p:nvPicPr>
+                <p:cNvPr id="14" name="Ink 13">
+                  <a:extLst>
+                    <a:ext uri="{FF2B5EF4-FFF2-40B4-BE49-F238E27FC236}">
+                      <a16:creationId xmlns:a16="http://schemas.microsoft.com/office/drawing/2014/main" id="{653F543F-3B2B-4937-9AB8-2AF49F9EE0B2}"/>
+                    </a:ext>
+                  </a:extLst>
+                </p:cNvPr>
+                <p:cNvPicPr/>
+                <p:nvPr/>
+              </p:nvPicPr>
+              <p:blipFill>
+                <a:blip r:embed="rId21"/>
+                <a:stretch>
+                  <a:fillRect/>
+                </a:stretch>
+              </p:blipFill>
+              <p:spPr>
+                <a:xfrm>
+                  <a:off x="1931329" y="2991859"/>
+                  <a:ext cx="32760" cy="96120"/>
+                </a:xfrm>
+                <a:prstGeom prst="rect">
+                  <a:avLst/>
+                </a:prstGeom>
+              </p:spPr>
+            </p:pic>
+          </mc:Fallback>
+        </mc:AlternateContent>
+        <mc:AlternateContent xmlns:mc="http://schemas.openxmlformats.org/markup-compatibility/2006">
+          <mc:Choice xmlns:p14="http://schemas.microsoft.com/office/powerpoint/2010/main" Requires="p14">
+            <p:contentPart p14:bwMode="auto" r:id="rId22">
+              <p14:nvContentPartPr>
+                <p14:cNvPr id="15" name="Ink 14">
+                  <a:extLst>
+                    <a:ext uri="{FF2B5EF4-FFF2-40B4-BE49-F238E27FC236}">
+                      <a16:creationId xmlns:a16="http://schemas.microsoft.com/office/drawing/2014/main" id="{B5D039D3-2B0D-4FBD-B4B7-F15780F6E76A}"/>
+                    </a:ext>
+                  </a:extLst>
+                </p14:cNvPr>
+                <p14:cNvContentPartPr/>
+                <p14:nvPr/>
+              </p14:nvContentPartPr>
+              <p14:xfrm>
+                <a:off x="1962649" y="2931739"/>
+                <a:ext cx="73440" cy="172800"/>
+              </p14:xfrm>
+            </p:contentPart>
+          </mc:Choice>
+          <mc:Fallback>
+            <p:pic>
+              <p:nvPicPr>
+                <p:cNvPr id="15" name="Ink 14">
+                  <a:extLst>
+                    <a:ext uri="{FF2B5EF4-FFF2-40B4-BE49-F238E27FC236}">
+                      <a16:creationId xmlns:a16="http://schemas.microsoft.com/office/drawing/2014/main" id="{B5D039D3-2B0D-4FBD-B4B7-F15780F6E76A}"/>
+                    </a:ext>
+                  </a:extLst>
+                </p:cNvPr>
+                <p:cNvPicPr/>
+                <p:nvPr/>
+              </p:nvPicPr>
+              <p:blipFill>
+                <a:blip r:embed="rId23"/>
+                <a:stretch>
+                  <a:fillRect/>
+                </a:stretch>
+              </p:blipFill>
+              <p:spPr>
+                <a:xfrm>
+                  <a:off x="1953649" y="2922739"/>
+                  <a:ext cx="91080" cy="190440"/>
+                </a:xfrm>
+                <a:prstGeom prst="rect">
+                  <a:avLst/>
+                </a:prstGeom>
+              </p:spPr>
+            </p:pic>
+          </mc:Fallback>
+        </mc:AlternateContent>
+        <mc:AlternateContent xmlns:mc="http://schemas.openxmlformats.org/markup-compatibility/2006">
+          <mc:Choice xmlns:p14="http://schemas.microsoft.com/office/powerpoint/2010/main" Requires="p14">
+            <p:contentPart p14:bwMode="auto" r:id="rId24">
+              <p14:nvContentPartPr>
+                <p14:cNvPr id="16" name="Ink 15">
+                  <a:extLst>
+                    <a:ext uri="{FF2B5EF4-FFF2-40B4-BE49-F238E27FC236}">
+                      <a16:creationId xmlns:a16="http://schemas.microsoft.com/office/drawing/2014/main" id="{29504CA7-B085-497F-8BD3-C08FE8D4E98A}"/>
+                    </a:ext>
+                  </a:extLst>
+                </p14:cNvPr>
+                <p14:cNvContentPartPr/>
+                <p14:nvPr/>
+              </p14:nvContentPartPr>
+              <p14:xfrm>
+                <a:off x="2059129" y="3005539"/>
+                <a:ext cx="61200" cy="105840"/>
+              </p14:xfrm>
+            </p:contentPart>
+          </mc:Choice>
+          <mc:Fallback>
+            <p:pic>
+              <p:nvPicPr>
+                <p:cNvPr id="16" name="Ink 15">
+                  <a:extLst>
+                    <a:ext uri="{FF2B5EF4-FFF2-40B4-BE49-F238E27FC236}">
+                      <a16:creationId xmlns:a16="http://schemas.microsoft.com/office/drawing/2014/main" id="{29504CA7-B085-497F-8BD3-C08FE8D4E98A}"/>
+                    </a:ext>
+                  </a:extLst>
+                </p:cNvPr>
+                <p:cNvPicPr/>
+                <p:nvPr/>
+              </p:nvPicPr>
+              <p:blipFill>
+                <a:blip r:embed="rId25"/>
+                <a:stretch>
+                  <a:fillRect/>
+                </a:stretch>
+              </p:blipFill>
+              <p:spPr>
+                <a:xfrm>
+                  <a:off x="2050129" y="2996899"/>
+                  <a:ext cx="78840" cy="123480"/>
+                </a:xfrm>
+                <a:prstGeom prst="rect">
+                  <a:avLst/>
+                </a:prstGeom>
+              </p:spPr>
+            </p:pic>
+          </mc:Fallback>
+        </mc:AlternateContent>
+        <mc:AlternateContent xmlns:mc="http://schemas.openxmlformats.org/markup-compatibility/2006">
+          <mc:Choice xmlns:p14="http://schemas.microsoft.com/office/powerpoint/2010/main" Requires="p14">
+            <p:contentPart p14:bwMode="auto" r:id="rId26">
+              <p14:nvContentPartPr>
+                <p14:cNvPr id="17" name="Ink 16">
+                  <a:extLst>
+                    <a:ext uri="{FF2B5EF4-FFF2-40B4-BE49-F238E27FC236}">
+                      <a16:creationId xmlns:a16="http://schemas.microsoft.com/office/drawing/2014/main" id="{C2EDEB79-8E0A-4B89-B906-B3E54348E298}"/>
+                    </a:ext>
+                  </a:extLst>
+                </p14:cNvPr>
+                <p14:cNvContentPartPr/>
+                <p14:nvPr/>
+              </p14:nvContentPartPr>
+              <p14:xfrm>
+                <a:off x="2182969" y="2984299"/>
+                <a:ext cx="97920" cy="117000"/>
+              </p14:xfrm>
+            </p:contentPart>
+          </mc:Choice>
+          <mc:Fallback>
+            <p:pic>
+              <p:nvPicPr>
+                <p:cNvPr id="17" name="Ink 16">
+                  <a:extLst>
+                    <a:ext uri="{FF2B5EF4-FFF2-40B4-BE49-F238E27FC236}">
+                      <a16:creationId xmlns:a16="http://schemas.microsoft.com/office/drawing/2014/main" id="{C2EDEB79-8E0A-4B89-B906-B3E54348E298}"/>
+                    </a:ext>
+                  </a:extLst>
+                </p:cNvPr>
+                <p:cNvPicPr/>
+                <p:nvPr/>
+              </p:nvPicPr>
+              <p:blipFill>
+                <a:blip r:embed="rId27"/>
+                <a:stretch>
+                  <a:fillRect/>
+                </a:stretch>
+              </p:blipFill>
+              <p:spPr>
+                <a:xfrm>
+                  <a:off x="2173969" y="2975299"/>
+                  <a:ext cx="115560" cy="134640"/>
+                </a:xfrm>
+                <a:prstGeom prst="rect">
+                  <a:avLst/>
+                </a:prstGeom>
+              </p:spPr>
+            </p:pic>
+          </mc:Fallback>
+        </mc:AlternateContent>
+        <mc:AlternateContent xmlns:mc="http://schemas.openxmlformats.org/markup-compatibility/2006">
+          <mc:Choice xmlns:p14="http://schemas.microsoft.com/office/powerpoint/2010/main" Requires="p14">
+            <p:contentPart p14:bwMode="auto" r:id="rId28">
+              <p14:nvContentPartPr>
+                <p14:cNvPr id="18" name="Ink 17">
+                  <a:extLst>
+                    <a:ext uri="{FF2B5EF4-FFF2-40B4-BE49-F238E27FC236}">
+                      <a16:creationId xmlns:a16="http://schemas.microsoft.com/office/drawing/2014/main" id="{4AC4A998-49B7-46A8-B36F-46EBE53C9BDC}"/>
+                    </a:ext>
+                  </a:extLst>
+                </p14:cNvPr>
+                <p14:cNvContentPartPr/>
+                <p14:nvPr/>
+              </p14:nvContentPartPr>
+              <p14:xfrm>
+                <a:off x="2333089" y="3004099"/>
+                <a:ext cx="47880" cy="102960"/>
+              </p14:xfrm>
+            </p:contentPart>
+          </mc:Choice>
+          <mc:Fallback>
+            <p:pic>
+              <p:nvPicPr>
+                <p:cNvPr id="18" name="Ink 17">
+                  <a:extLst>
+                    <a:ext uri="{FF2B5EF4-FFF2-40B4-BE49-F238E27FC236}">
+                      <a16:creationId xmlns:a16="http://schemas.microsoft.com/office/drawing/2014/main" id="{4AC4A998-49B7-46A8-B36F-46EBE53C9BDC}"/>
+                    </a:ext>
+                  </a:extLst>
+                </p:cNvPr>
+                <p:cNvPicPr/>
+                <p:nvPr/>
+              </p:nvPicPr>
+              <p:blipFill>
+                <a:blip r:embed="rId29"/>
+                <a:stretch>
+                  <a:fillRect/>
+                </a:stretch>
+              </p:blipFill>
+              <p:spPr>
+                <a:xfrm>
+                  <a:off x="2324089" y="2995099"/>
+                  <a:ext cx="65520" cy="120600"/>
+                </a:xfrm>
+                <a:prstGeom prst="rect">
+                  <a:avLst/>
+                </a:prstGeom>
+              </p:spPr>
+            </p:pic>
+          </mc:Fallback>
+        </mc:AlternateContent>
+        <mc:AlternateContent xmlns:mc="http://schemas.openxmlformats.org/markup-compatibility/2006">
+          <mc:Choice xmlns:p14="http://schemas.microsoft.com/office/powerpoint/2010/main" Requires="p14">
+            <p:contentPart p14:bwMode="auto" r:id="rId30">
+              <p14:nvContentPartPr>
+                <p14:cNvPr id="19" name="Ink 18">
+                  <a:extLst>
+                    <a:ext uri="{FF2B5EF4-FFF2-40B4-BE49-F238E27FC236}">
+                      <a16:creationId xmlns:a16="http://schemas.microsoft.com/office/drawing/2014/main" id="{6F806E14-2023-4ECE-B43F-57C615762428}"/>
+                    </a:ext>
+                  </a:extLst>
+                </p14:cNvPr>
+                <p14:cNvContentPartPr/>
+                <p14:nvPr/>
+              </p14:nvContentPartPr>
+              <p14:xfrm>
+                <a:off x="2414089" y="3027139"/>
+                <a:ext cx="103680" cy="104760"/>
+              </p14:xfrm>
+            </p:contentPart>
+          </mc:Choice>
+          <mc:Fallback>
+            <p:pic>
+              <p:nvPicPr>
+                <p:cNvPr id="19" name="Ink 18">
+                  <a:extLst>
+                    <a:ext uri="{FF2B5EF4-FFF2-40B4-BE49-F238E27FC236}">
+                      <a16:creationId xmlns:a16="http://schemas.microsoft.com/office/drawing/2014/main" id="{6F806E14-2023-4ECE-B43F-57C615762428}"/>
+                    </a:ext>
+                  </a:extLst>
+                </p:cNvPr>
+                <p:cNvPicPr/>
+                <p:nvPr/>
+              </p:nvPicPr>
+              <p:blipFill>
+                <a:blip r:embed="rId31"/>
+                <a:stretch>
+                  <a:fillRect/>
+                </a:stretch>
+              </p:blipFill>
+              <p:spPr>
+                <a:xfrm>
+                  <a:off x="2405449" y="3018499"/>
+                  <a:ext cx="121320" cy="122400"/>
+                </a:xfrm>
+                <a:prstGeom prst="rect">
+                  <a:avLst/>
+                </a:prstGeom>
+              </p:spPr>
+            </p:pic>
+          </mc:Fallback>
+        </mc:AlternateContent>
+        <mc:AlternateContent xmlns:mc="http://schemas.openxmlformats.org/markup-compatibility/2006">
+          <mc:Choice xmlns:p14="http://schemas.microsoft.com/office/powerpoint/2010/main" Requires="p14">
+            <p:contentPart p14:bwMode="auto" r:id="rId32">
+              <p14:nvContentPartPr>
+                <p14:cNvPr id="20" name="Ink 19">
+                  <a:extLst>
+                    <a:ext uri="{FF2B5EF4-FFF2-40B4-BE49-F238E27FC236}">
+                      <a16:creationId xmlns:a16="http://schemas.microsoft.com/office/drawing/2014/main" id="{B0EE83C4-5677-4CEA-AA68-6938A72D590F}"/>
+                    </a:ext>
+                  </a:extLst>
+                </p14:cNvPr>
+                <p14:cNvContentPartPr/>
+                <p14:nvPr/>
+              </p14:nvContentPartPr>
+              <p14:xfrm>
+                <a:off x="2512369" y="2925259"/>
+                <a:ext cx="84600" cy="181800"/>
+              </p14:xfrm>
+            </p:contentPart>
+          </mc:Choice>
+          <mc:Fallback>
+            <p:pic>
+              <p:nvPicPr>
+                <p:cNvPr id="20" name="Ink 19">
+                  <a:extLst>
+                    <a:ext uri="{FF2B5EF4-FFF2-40B4-BE49-F238E27FC236}">
+                      <a16:creationId xmlns:a16="http://schemas.microsoft.com/office/drawing/2014/main" id="{B0EE83C4-5677-4CEA-AA68-6938A72D590F}"/>
+                    </a:ext>
+                  </a:extLst>
+                </p:cNvPr>
+                <p:cNvPicPr/>
+                <p:nvPr/>
+              </p:nvPicPr>
+              <p:blipFill>
+                <a:blip r:embed="rId33"/>
+                <a:stretch>
+                  <a:fillRect/>
+                </a:stretch>
+              </p:blipFill>
+              <p:spPr>
+                <a:xfrm>
+                  <a:off x="2503369" y="2916619"/>
+                  <a:ext cx="102240" cy="199440"/>
+                </a:xfrm>
+                <a:prstGeom prst="rect">
+                  <a:avLst/>
+                </a:prstGeom>
+              </p:spPr>
+            </p:pic>
+          </mc:Fallback>
+        </mc:AlternateContent>
+        <mc:AlternateContent xmlns:mc="http://schemas.openxmlformats.org/markup-compatibility/2006">
+          <mc:Choice xmlns:p14="http://schemas.microsoft.com/office/powerpoint/2010/main" Requires="p14">
+            <p:contentPart p14:bwMode="auto" r:id="rId34">
+              <p14:nvContentPartPr>
+                <p14:cNvPr id="21" name="Ink 20">
+                  <a:extLst>
+                    <a:ext uri="{FF2B5EF4-FFF2-40B4-BE49-F238E27FC236}">
+                      <a16:creationId xmlns:a16="http://schemas.microsoft.com/office/drawing/2014/main" id="{CB7A8117-BA05-424A-9FCB-24B59C96540C}"/>
+                    </a:ext>
+                  </a:extLst>
+                </p14:cNvPr>
+                <p14:cNvContentPartPr/>
+                <p14:nvPr/>
+              </p14:nvContentPartPr>
+              <p14:xfrm>
+                <a:off x="2622889" y="3036139"/>
+                <a:ext cx="95760" cy="106920"/>
+              </p14:xfrm>
+            </p:contentPart>
+          </mc:Choice>
+          <mc:Fallback>
+            <p:pic>
+              <p:nvPicPr>
+                <p:cNvPr id="21" name="Ink 20">
+                  <a:extLst>
+                    <a:ext uri="{FF2B5EF4-FFF2-40B4-BE49-F238E27FC236}">
+                      <a16:creationId xmlns:a16="http://schemas.microsoft.com/office/drawing/2014/main" id="{CB7A8117-BA05-424A-9FCB-24B59C96540C}"/>
+                    </a:ext>
+                  </a:extLst>
+                </p:cNvPr>
+                <p:cNvPicPr/>
+                <p:nvPr/>
+              </p:nvPicPr>
+              <p:blipFill>
+                <a:blip r:embed="rId35"/>
+                <a:stretch>
+                  <a:fillRect/>
+                </a:stretch>
+              </p:blipFill>
+              <p:spPr>
+                <a:xfrm>
+                  <a:off x="2613889" y="3027499"/>
+                  <a:ext cx="113400" cy="124560"/>
+                </a:xfrm>
+                <a:prstGeom prst="rect">
+                  <a:avLst/>
+                </a:prstGeom>
+              </p:spPr>
+            </p:pic>
+          </mc:Fallback>
+        </mc:AlternateContent>
+      </p:grpSp>
     </p:spTree>
     <p:extLst>
       <p:ext uri="{BB962C8B-B14F-4D97-AF65-F5344CB8AC3E}">
@@ -4761,6 +6228,15 @@
               </a:spcBef>
             </a:pPr>
             <a:r>
+              <a:rPr lang="en-US" sz="1500" dirty="0">
+                <a:solidFill>
+                  <a:srgbClr val="000000"/>
+                </a:solidFill>
+                <a:latin typeface="Arial" panose="020B0604020202020204" pitchFamily="34" charset="0"/>
+              </a:rPr>
+              <a:t>j</a:t>
+            </a:r>
+            <a:r>
               <a:rPr lang="en-US" sz="1500" b="0" i="0" u="none" strike="noStrike" dirty="0">
                 <a:solidFill>
                   <a:srgbClr val="000000"/>
@@ -4768,7 +6244,7 @@
                 <a:effectLst/>
                 <a:latin typeface="Arial" panose="020B0604020202020204" pitchFamily="34" charset="0"/>
               </a:rPr>
-              <a:t>Java </a:t>
+              <a:t>ava </a:t>
             </a:r>
             <a:r>
               <a:rPr lang="en-US" sz="1500" b="0" i="0" u="none" strike="noStrike" dirty="0" err="1">
@@ -5160,6 +6636,57 @@
           </a:p>
         </p:txBody>
       </p:sp>
+      <mc:AlternateContent xmlns:mc="http://schemas.openxmlformats.org/markup-compatibility/2006">
+        <mc:Choice xmlns:p14="http://schemas.microsoft.com/office/powerpoint/2010/main" Requires="p14">
+          <p:contentPart p14:bwMode="auto" r:id="rId2">
+            <p14:nvContentPartPr>
+              <p14:cNvPr id="4" name="Ink 3">
+                <a:extLst>
+                  <a:ext uri="{FF2B5EF4-FFF2-40B4-BE49-F238E27FC236}">
+                    <a16:creationId xmlns:a16="http://schemas.microsoft.com/office/drawing/2014/main" id="{F1D66EC7-A4E7-46E4-8C98-54F155C40031}"/>
+                  </a:ext>
+                </a:extLst>
+              </p14:cNvPr>
+              <p14:cNvContentPartPr/>
+              <p14:nvPr/>
+            </p14:nvContentPartPr>
+            <p14:xfrm>
+              <a:off x="1925209" y="2376979"/>
+              <a:ext cx="1107720" cy="29880"/>
+            </p14:xfrm>
+          </p:contentPart>
+        </mc:Choice>
+        <mc:Fallback>
+          <p:pic>
+            <p:nvPicPr>
+              <p:cNvPr id="4" name="Ink 3">
+                <a:extLst>
+                  <a:ext uri="{FF2B5EF4-FFF2-40B4-BE49-F238E27FC236}">
+                    <a16:creationId xmlns:a16="http://schemas.microsoft.com/office/drawing/2014/main" id="{F1D66EC7-A4E7-46E4-8C98-54F155C40031}"/>
+                  </a:ext>
+                </a:extLst>
+              </p:cNvPr>
+              <p:cNvPicPr/>
+              <p:nvPr/>
+            </p:nvPicPr>
+            <p:blipFill>
+              <a:blip r:embed="rId3"/>
+              <a:stretch>
+                <a:fillRect/>
+              </a:stretch>
+            </p:blipFill>
+            <p:spPr>
+              <a:xfrm>
+                <a:off x="1916209" y="2368339"/>
+                <a:ext cx="1125360" cy="47520"/>
+              </a:xfrm>
+              <a:prstGeom prst="rect">
+                <a:avLst/>
+              </a:prstGeom>
+            </p:spPr>
+          </p:pic>
+        </mc:Fallback>
+      </mc:AlternateContent>
     </p:spTree>
     <p:extLst>
       <p:ext uri="{BB962C8B-B14F-4D97-AF65-F5344CB8AC3E}">
